--- a/docs/SPI_rapido_simple_economico.pptx
+++ b/docs/SPI_rapido_simple_economico.pptx
@@ -10,11 +10,13 @@
     <p:sldId id="257" r:id="rId4"/>
     <p:sldId id="258" r:id="rId5"/>
     <p:sldId id="264" r:id="rId6"/>
-    <p:sldId id="259" r:id="rId7"/>
-    <p:sldId id="260" r:id="rId8"/>
-    <p:sldId id="261" r:id="rId9"/>
-    <p:sldId id="262" r:id="rId10"/>
-    <p:sldId id="263" r:id="rId11"/>
+    <p:sldId id="267" r:id="rId7"/>
+    <p:sldId id="266" r:id="rId8"/>
+    <p:sldId id="259" r:id="rId9"/>
+    <p:sldId id="260" r:id="rId10"/>
+    <p:sldId id="261" r:id="rId11"/>
+    <p:sldId id="262" r:id="rId12"/>
+    <p:sldId id="263" r:id="rId13"/>
   </p:sldIdLst>
   <p:sldSz cx="9144000" cy="6858000" type="screen4x3"/>
   <p:notesSz cx="6858000" cy="9144000"/>
@@ -3183,20 +3185,8 @@
           <a:lstStyle/>
           <a:p>
             <a:r>
-              <a:rPr lang="en-US" dirty="0" smtClean="0"/>
-              <a:t>SPI: simple, </a:t>
-            </a:r>
-            <a:r>
-              <a:rPr lang="en-US" dirty="0" err="1" smtClean="0"/>
-              <a:t>rápido</a:t>
-            </a:r>
-            <a:r>
-              <a:rPr lang="en-US" dirty="0" smtClean="0"/>
-              <a:t>, </a:t>
-            </a:r>
-            <a:r>
-              <a:rPr lang="en-US" dirty="0" err="1" smtClean="0"/>
-              <a:t>económico</a:t>
+              <a:rPr lang="es-ES" dirty="0" smtClean="0"/>
+              <a:t>SPI: simple, rápido, económico</a:t>
             </a:r>
             <a:endParaRPr lang="es-ES" dirty="0"/>
           </a:p>
@@ -3321,6 +3311,13 @@
   <p:clrMapOvr>
     <a:masterClrMapping/>
   </p:clrMapOvr>
+  <p:timing>
+    <p:tnLst>
+      <p:par>
+        <p:cTn id="1" dur="indefinite" restart="never" nodeType="tmRoot"/>
+      </p:par>
+    </p:tnLst>
+  </p:timing>
 </p:sld>
 </file>
 
@@ -3357,12 +3354,8 @@
           <a:lstStyle/>
           <a:p>
             <a:r>
-              <a:rPr lang="en-US" dirty="0" err="1" smtClean="0"/>
-              <a:t>Phonegap</a:t>
-            </a:r>
-            <a:r>
-              <a:rPr lang="en-US" dirty="0" smtClean="0"/>
-              <a:t> (2)</a:t>
+              <a:rPr lang="es-ES" dirty="0" smtClean="0"/>
+              <a:t>Otras librerías</a:t>
             </a:r>
             <a:endParaRPr lang="es-ES" dirty="0"/>
           </a:p>
@@ -3380,218 +3373,97 @@
         </p:nvSpPr>
         <p:spPr/>
         <p:txBody>
-          <a:bodyPr/>
-          <a:lstStyle/>
-          <a:p>
-            <a:r>
-              <a:rPr lang="en-US" dirty="0" err="1" smtClean="0"/>
-              <a:t>Phonegap</a:t>
-            </a:r>
-            <a:r>
-              <a:rPr lang="en-US" dirty="0"/>
-              <a:t> </a:t>
-            </a:r>
-            <a:r>
-              <a:rPr lang="en-US" dirty="0" err="1" smtClean="0"/>
-              <a:t>crea</a:t>
-            </a:r>
-            <a:r>
-              <a:rPr lang="en-US" dirty="0" smtClean="0"/>
-              <a:t> </a:t>
-            </a:r>
-            <a:r>
-              <a:rPr lang="en-US" dirty="0" err="1" smtClean="0"/>
-              <a:t>una</a:t>
-            </a:r>
-            <a:r>
-              <a:rPr lang="en-US" dirty="0" smtClean="0"/>
-              <a:t> </a:t>
-            </a:r>
-            <a:r>
-              <a:rPr lang="en-US" dirty="0" err="1" smtClean="0"/>
-              <a:t>estructura</a:t>
-            </a:r>
-            <a:r>
-              <a:rPr lang="en-US" dirty="0" smtClean="0"/>
-              <a:t> de </a:t>
-            </a:r>
-            <a:r>
-              <a:rPr lang="en-US" dirty="0" err="1" smtClean="0"/>
-              <a:t>directorios</a:t>
-            </a:r>
-            <a:r>
-              <a:rPr lang="en-US" dirty="0" smtClean="0"/>
-              <a:t> </a:t>
-            </a:r>
-            <a:r>
-              <a:rPr lang="en-US" dirty="0" err="1" smtClean="0"/>
-              <a:t>para</a:t>
-            </a:r>
-            <a:r>
-              <a:rPr lang="en-US" dirty="0" smtClean="0"/>
-              <a:t> </a:t>
-            </a:r>
-            <a:r>
-              <a:rPr lang="en-US" dirty="0" err="1" smtClean="0"/>
-              <a:t>llevar</a:t>
-            </a:r>
-            <a:r>
-              <a:rPr lang="en-US" dirty="0" smtClean="0"/>
-              <a:t> a </a:t>
-            </a:r>
-            <a:r>
-              <a:rPr lang="en-US" dirty="0" err="1" smtClean="0"/>
-              <a:t>cabo</a:t>
-            </a:r>
-            <a:r>
-              <a:rPr lang="en-US" dirty="0" smtClean="0"/>
-              <a:t> el </a:t>
-            </a:r>
-            <a:r>
-              <a:rPr lang="en-US" dirty="0" err="1" smtClean="0"/>
-              <a:t>desarrollo</a:t>
-            </a:r>
-            <a:r>
-              <a:rPr lang="en-US" dirty="0" smtClean="0"/>
-              <a:t> de la </a:t>
-            </a:r>
-            <a:r>
-              <a:rPr lang="en-US" dirty="0" err="1" smtClean="0"/>
-              <a:t>aplicación</a:t>
-            </a:r>
-            <a:r>
-              <a:rPr lang="en-US" dirty="0" smtClean="0"/>
-              <a:t>.</a:t>
-            </a:r>
-          </a:p>
-          <a:p>
-            <a:r>
-              <a:rPr lang="en-US" dirty="0" err="1" smtClean="0"/>
-              <a:t>Por</a:t>
-            </a:r>
-            <a:r>
-              <a:rPr lang="en-US" dirty="0" smtClean="0"/>
-              <a:t> </a:t>
-            </a:r>
-            <a:r>
-              <a:rPr lang="en-US" dirty="0" err="1" smtClean="0"/>
-              <a:t>cuestiones</a:t>
-            </a:r>
-            <a:r>
-              <a:rPr lang="en-US" dirty="0" smtClean="0"/>
-              <a:t> </a:t>
-            </a:r>
-            <a:r>
-              <a:rPr lang="en-US" dirty="0" err="1" smtClean="0"/>
-              <a:t>prácticas</a:t>
-            </a:r>
-            <a:r>
-              <a:rPr lang="en-US" dirty="0" smtClean="0"/>
-              <a:t> la </a:t>
-            </a:r>
-            <a:r>
-              <a:rPr lang="en-US" dirty="0" err="1" smtClean="0"/>
-              <a:t>aplicación</a:t>
-            </a:r>
-            <a:r>
-              <a:rPr lang="en-US" dirty="0" smtClean="0"/>
-              <a:t> no </a:t>
-            </a:r>
-            <a:r>
-              <a:rPr lang="en-US" dirty="0" err="1" smtClean="0"/>
-              <a:t>usa</a:t>
-            </a:r>
-            <a:r>
-              <a:rPr lang="en-US" dirty="0" smtClean="0"/>
-              <a:t> </a:t>
-            </a:r>
-            <a:r>
-              <a:rPr lang="en-US" dirty="0" err="1" smtClean="0"/>
-              <a:t>esa</a:t>
-            </a:r>
-            <a:r>
-              <a:rPr lang="en-US" dirty="0" smtClean="0"/>
-              <a:t> </a:t>
-            </a:r>
-            <a:r>
-              <a:rPr lang="en-US" dirty="0" err="1" smtClean="0"/>
-              <a:t>estructura</a:t>
-            </a:r>
-            <a:r>
-              <a:rPr lang="en-US" dirty="0" smtClean="0"/>
-              <a:t>, </a:t>
-            </a:r>
-            <a:r>
-              <a:rPr lang="en-US" dirty="0" err="1" smtClean="0"/>
-              <a:t>pero</a:t>
-            </a:r>
-            <a:r>
-              <a:rPr lang="en-US" dirty="0" smtClean="0"/>
-              <a:t> </a:t>
-            </a:r>
-            <a:r>
-              <a:rPr lang="en-US" dirty="0" err="1" smtClean="0"/>
-              <a:t>incluye</a:t>
-            </a:r>
-            <a:r>
-              <a:rPr lang="en-US" dirty="0"/>
-              <a:t> </a:t>
-            </a:r>
-            <a:r>
-              <a:rPr lang="en-US" dirty="0" smtClean="0"/>
-              <a:t>un script </a:t>
-            </a:r>
-            <a:r>
-              <a:rPr lang="en-US" dirty="0" err="1" smtClean="0"/>
-              <a:t>que</a:t>
-            </a:r>
-            <a:r>
-              <a:rPr lang="en-US" dirty="0" smtClean="0"/>
-              <a:t> </a:t>
-            </a:r>
-            <a:r>
-              <a:rPr lang="en-US" dirty="0" err="1" smtClean="0"/>
-              <a:t>crea</a:t>
-            </a:r>
-            <a:r>
-              <a:rPr lang="en-US" dirty="0" smtClean="0"/>
-              <a:t> </a:t>
-            </a:r>
-            <a:r>
-              <a:rPr lang="en-US" dirty="0" err="1" smtClean="0"/>
-              <a:t>dicha</a:t>
-            </a:r>
-            <a:r>
-              <a:rPr lang="en-US" dirty="0" smtClean="0"/>
-              <a:t> </a:t>
-            </a:r>
-            <a:r>
-              <a:rPr lang="en-US" dirty="0" err="1" smtClean="0"/>
-              <a:t>estructura</a:t>
-            </a:r>
-            <a:r>
-              <a:rPr lang="en-US" dirty="0" smtClean="0"/>
-              <a:t> y </a:t>
-            </a:r>
-            <a:r>
-              <a:rPr lang="en-US" dirty="0" err="1" smtClean="0"/>
-              <a:t>copia</a:t>
-            </a:r>
-            <a:r>
-              <a:rPr lang="en-US" dirty="0" smtClean="0"/>
-              <a:t> los </a:t>
-            </a:r>
-            <a:r>
-              <a:rPr lang="en-US" dirty="0" err="1" smtClean="0"/>
-              <a:t>archivos</a:t>
-            </a:r>
-            <a:r>
-              <a:rPr lang="en-US" dirty="0" smtClean="0"/>
-              <a:t> </a:t>
-            </a:r>
-            <a:r>
-              <a:rPr lang="en-US" dirty="0" err="1" smtClean="0"/>
-              <a:t>necesarios</a:t>
+          <a:bodyPr>
+            <a:normAutofit fontScale="77500" lnSpcReduction="20000"/>
+          </a:bodyPr>
+          <a:lstStyle/>
+          <a:p>
+            <a:r>
+              <a:rPr lang="es-ES" dirty="0" err="1" smtClean="0"/>
+              <a:t>Backbone</a:t>
+            </a:r>
+            <a:r>
+              <a:rPr lang="es-ES" dirty="0" smtClean="0"/>
+              <a:t>, para las vistas, navegación, carga del modelo de datos, etc.</a:t>
+            </a:r>
+          </a:p>
+          <a:p>
+            <a:r>
+              <a:rPr lang="es-ES" dirty="0" err="1" smtClean="0"/>
+              <a:t>Underscore</a:t>
+            </a:r>
+            <a:r>
+              <a:rPr lang="es-ES" dirty="0" smtClean="0"/>
+              <a:t> / </a:t>
+            </a:r>
+            <a:r>
+              <a:rPr lang="es-ES" dirty="0" err="1" smtClean="0"/>
+              <a:t>Lodash</a:t>
+            </a:r>
+            <a:r>
+              <a:rPr lang="es-ES" dirty="0" smtClean="0"/>
+              <a:t>, para </a:t>
+            </a:r>
+            <a:r>
+              <a:rPr lang="es-ES" dirty="0" err="1" smtClean="0"/>
+              <a:t>mixins</a:t>
+            </a:r>
+            <a:r>
+              <a:rPr lang="es-ES" dirty="0" smtClean="0"/>
+              <a:t> y plantillas HTML</a:t>
+            </a:r>
+          </a:p>
+          <a:p>
+            <a:r>
+              <a:rPr lang="es-ES" dirty="0" err="1" smtClean="0"/>
+              <a:t>Highcharts</a:t>
+            </a:r>
+            <a:r>
+              <a:rPr lang="es-ES" dirty="0" smtClean="0"/>
+              <a:t>, para los gráficos. Se pretende sustituir por D3 para evitar el pago por uso comercial en caso de añadir publicidad</a:t>
+            </a:r>
+          </a:p>
+          <a:p>
+            <a:r>
+              <a:rPr lang="es-ES" dirty="0" err="1" smtClean="0"/>
+              <a:t>Leaflet</a:t>
+            </a:r>
+            <a:r>
+              <a:rPr lang="es-ES" dirty="0" smtClean="0"/>
+              <a:t>, para los mapas. Permite cargar mapas, y capas, desde fuentes diversas, incluso Google </a:t>
+            </a:r>
+            <a:r>
+              <a:rPr lang="es-ES" dirty="0" err="1" smtClean="0"/>
+              <a:t>Maps</a:t>
+            </a:r>
+            <a:endParaRPr lang="es-ES" dirty="0" smtClean="0"/>
+          </a:p>
+          <a:p>
+            <a:r>
+              <a:rPr lang="es-ES" dirty="0" err="1" smtClean="0"/>
+              <a:t>SliceSlide</a:t>
+            </a:r>
+            <a:r>
+              <a:rPr lang="es-ES" dirty="0" smtClean="0"/>
+              <a:t>: para los </a:t>
+            </a:r>
+            <a:r>
+              <a:rPr lang="es-ES" dirty="0" err="1" smtClean="0"/>
+              <a:t>slides</a:t>
+            </a:r>
+            <a:r>
+              <a:rPr lang="es-ES" dirty="0" smtClean="0"/>
+              <a:t> en la predicción de localidades. Permite eventos de toque en pantalla</a:t>
+            </a:r>
+          </a:p>
+          <a:p>
+            <a:r>
+              <a:rPr lang="es-ES" dirty="0" err="1" smtClean="0"/>
+              <a:t>Bootstrap</a:t>
+            </a:r>
+            <a:r>
+              <a:rPr lang="es-ES" dirty="0" smtClean="0"/>
+              <a:t>: utilizado para la mayor parte de los estilos y los comportamientos de los componentes de la cabecera</a:t>
             </a:r>
             <a:endParaRPr lang="es-ES" dirty="0"/>
           </a:p>
@@ -3662,6 +3534,395 @@
               <a:rPr lang="en-US" smtClean="0"/>
               <a:pPr/>
               <a:t>10</a:t>
+            </a:fld>
+            <a:endParaRPr lang="en-US"/>
+          </a:p>
+        </p:txBody>
+      </p:sp>
+    </p:spTree>
+    <p:extLst>
+      <p:ext uri="{BB962C8B-B14F-4D97-AF65-F5344CB8AC3E}">
+        <p14:creationId xmlns:p14="http://schemas.microsoft.com/office/powerpoint/2010/main" val="2885133523"/>
+      </p:ext>
+    </p:extLst>
+  </p:cSld>
+  <p:clrMapOvr>
+    <a:masterClrMapping/>
+  </p:clrMapOvr>
+  <p:timing>
+    <p:tnLst>
+      <p:par>
+        <p:cTn id="1" dur="indefinite" restart="never" nodeType="tmRoot"/>
+      </p:par>
+    </p:tnLst>
+  </p:timing>
+</p:sld>
+</file>
+
+<file path=ppt/slides/slide11.xml><?xml version="1.0" encoding="utf-8"?>
+<p:sld xmlns:a="http://schemas.openxmlformats.org/drawingml/2006/main" xmlns:r="http://schemas.openxmlformats.org/officeDocument/2006/relationships" xmlns:p="http://schemas.openxmlformats.org/presentationml/2006/main">
+  <p:cSld>
+    <p:spTree>
+      <p:nvGrpSpPr>
+        <p:cNvPr id="1" name=""/>
+        <p:cNvGrpSpPr/>
+        <p:nvPr/>
+      </p:nvGrpSpPr>
+      <p:grpSpPr>
+        <a:xfrm>
+          <a:off x="0" y="0"/>
+          <a:ext cx="0" cy="0"/>
+          <a:chOff x="0" y="0"/>
+          <a:chExt cx="0" cy="0"/>
+        </a:xfrm>
+      </p:grpSpPr>
+      <p:sp>
+        <p:nvSpPr>
+          <p:cNvPr id="2" name="1 Título"/>
+          <p:cNvSpPr>
+            <a:spLocks noGrp="1"/>
+          </p:cNvSpPr>
+          <p:nvPr>
+            <p:ph type="title"/>
+          </p:nvPr>
+        </p:nvSpPr>
+        <p:spPr/>
+        <p:txBody>
+          <a:bodyPr/>
+          <a:lstStyle/>
+          <a:p>
+            <a:r>
+              <a:rPr lang="es-ES" dirty="0" smtClean="0"/>
+              <a:t>Phonegap (1)</a:t>
+            </a:r>
+            <a:endParaRPr lang="es-ES" dirty="0"/>
+          </a:p>
+        </p:txBody>
+      </p:sp>
+      <p:sp>
+        <p:nvSpPr>
+          <p:cNvPr id="3" name="2 Marcador de contenido"/>
+          <p:cNvSpPr>
+            <a:spLocks noGrp="1"/>
+          </p:cNvSpPr>
+          <p:nvPr>
+            <p:ph idx="1"/>
+          </p:nvPr>
+        </p:nvSpPr>
+        <p:spPr/>
+        <p:txBody>
+          <a:bodyPr/>
+          <a:lstStyle/>
+          <a:p>
+            <a:r>
+              <a:rPr lang="es-ES" dirty="0" smtClean="0"/>
+              <a:t>Phonegap permite la creación de </a:t>
+            </a:r>
+            <a:r>
+              <a:rPr lang="es-ES" dirty="0" err="1" smtClean="0"/>
+              <a:t>aplicaciónes</a:t>
+            </a:r>
+            <a:r>
+              <a:rPr lang="es-ES" dirty="0" smtClean="0"/>
+              <a:t> nativas para las principales plataformas de dispositivos móviles (IOS, </a:t>
+            </a:r>
+            <a:r>
+              <a:rPr lang="es-ES" dirty="0" err="1" smtClean="0"/>
+              <a:t>Android</a:t>
+            </a:r>
+            <a:r>
+              <a:rPr lang="es-ES" dirty="0" smtClean="0"/>
+              <a:t>, Windows </a:t>
+            </a:r>
+            <a:r>
+              <a:rPr lang="es-ES" dirty="0" err="1" smtClean="0"/>
+              <a:t>Phone</a:t>
+            </a:r>
+            <a:r>
+              <a:rPr lang="es-ES" dirty="0" smtClean="0"/>
+              <a:t>, etc.)</a:t>
+            </a:r>
+          </a:p>
+          <a:p>
+            <a:r>
+              <a:rPr lang="es-ES" dirty="0" smtClean="0"/>
+              <a:t>Las últimas versiones se basan en Node.js:</a:t>
+            </a:r>
+          </a:p>
+          <a:p>
+            <a:pPr lvl="1"/>
+            <a:r>
+              <a:rPr lang="es-ES" dirty="0" err="1" smtClean="0"/>
+              <a:t>npm</a:t>
+            </a:r>
+            <a:r>
+              <a:rPr lang="es-ES" dirty="0" smtClean="0"/>
+              <a:t> </a:t>
+            </a:r>
+            <a:r>
+              <a:rPr lang="es-ES" dirty="0" err="1" smtClean="0"/>
+              <a:t>install</a:t>
+            </a:r>
+            <a:r>
+              <a:rPr lang="es-ES" dirty="0" smtClean="0"/>
+              <a:t> –g </a:t>
+            </a:r>
+            <a:r>
+              <a:rPr lang="es-ES" dirty="0" err="1" smtClean="0"/>
+              <a:t>phonegap</a:t>
+            </a:r>
+            <a:endParaRPr lang="es-ES" dirty="0" smtClean="0"/>
+          </a:p>
+          <a:p>
+            <a:pPr lvl="1"/>
+            <a:r>
+              <a:rPr lang="es-ES" dirty="0" err="1" smtClean="0"/>
+              <a:t>nmp</a:t>
+            </a:r>
+            <a:r>
+              <a:rPr lang="es-ES" dirty="0" smtClean="0"/>
+              <a:t> </a:t>
+            </a:r>
+            <a:r>
+              <a:rPr lang="es-ES" dirty="0" err="1" smtClean="0"/>
+              <a:t>install</a:t>
+            </a:r>
+            <a:r>
+              <a:rPr lang="es-ES" dirty="0" smtClean="0"/>
+              <a:t> –g </a:t>
+            </a:r>
+            <a:r>
+              <a:rPr lang="es-ES" dirty="0" err="1" smtClean="0"/>
+              <a:t>cordova</a:t>
+            </a:r>
+            <a:endParaRPr lang="es-ES" dirty="0"/>
+          </a:p>
+        </p:txBody>
+      </p:sp>
+      <p:sp>
+        <p:nvSpPr>
+          <p:cNvPr id="4" name="3 Marcador de fecha"/>
+          <p:cNvSpPr>
+            <a:spLocks noGrp="1"/>
+          </p:cNvSpPr>
+          <p:nvPr>
+            <p:ph type="dt" sz="half" idx="10"/>
+          </p:nvPr>
+        </p:nvSpPr>
+        <p:spPr/>
+        <p:txBody>
+          <a:bodyPr/>
+          <a:lstStyle/>
+          <a:p>
+            <a:fld id="{B11D738E-8962-435F-8C43-147B8DD7E819}" type="datetime1">
+              <a:rPr lang="en-US" smtClean="0"/>
+              <a:t>2013-12-14</a:t>
+            </a:fld>
+            <a:endParaRPr lang="en-US"/>
+          </a:p>
+        </p:txBody>
+      </p:sp>
+      <p:sp>
+        <p:nvSpPr>
+          <p:cNvPr id="5" name="4 Marcador de pie de página"/>
+          <p:cNvSpPr>
+            <a:spLocks noGrp="1"/>
+          </p:cNvSpPr>
+          <p:nvPr>
+            <p:ph type="ftr" sz="quarter" idx="11"/>
+          </p:nvPr>
+        </p:nvSpPr>
+        <p:spPr/>
+        <p:txBody>
+          <a:bodyPr/>
+          <a:lstStyle/>
+          <a:p>
+            <a:r>
+              <a:rPr lang="en-US" smtClean="0"/>
+              <a:t>Footer Text</a:t>
+            </a:r>
+            <a:endParaRPr lang="en-US"/>
+          </a:p>
+        </p:txBody>
+      </p:sp>
+      <p:sp>
+        <p:nvSpPr>
+          <p:cNvPr id="6" name="5 Marcador de número de diapositiva"/>
+          <p:cNvSpPr>
+            <a:spLocks noGrp="1"/>
+          </p:cNvSpPr>
+          <p:nvPr>
+            <p:ph type="sldNum" sz="quarter" idx="12"/>
+          </p:nvPr>
+        </p:nvSpPr>
+        <p:spPr/>
+        <p:txBody>
+          <a:bodyPr/>
+          <a:lstStyle/>
+          <a:p>
+            <a:fld id="{BA9B540C-44DA-4F69-89C9-7C84606640D3}" type="slidenum">
+              <a:rPr lang="en-US" smtClean="0"/>
+              <a:pPr/>
+              <a:t>11</a:t>
+            </a:fld>
+            <a:endParaRPr lang="en-US"/>
+          </a:p>
+        </p:txBody>
+      </p:sp>
+    </p:spTree>
+    <p:extLst>
+      <p:ext uri="{BB962C8B-B14F-4D97-AF65-F5344CB8AC3E}">
+        <p14:creationId xmlns:p14="http://schemas.microsoft.com/office/powerpoint/2010/main" val="3503619309"/>
+      </p:ext>
+    </p:extLst>
+  </p:cSld>
+  <p:clrMapOvr>
+    <a:masterClrMapping/>
+  </p:clrMapOvr>
+  <p:timing>
+    <p:tnLst>
+      <p:par>
+        <p:cTn id="1" dur="indefinite" restart="never" nodeType="tmRoot"/>
+      </p:par>
+    </p:tnLst>
+  </p:timing>
+</p:sld>
+</file>
+
+<file path=ppt/slides/slide12.xml><?xml version="1.0" encoding="utf-8"?>
+<p:sld xmlns:a="http://schemas.openxmlformats.org/drawingml/2006/main" xmlns:r="http://schemas.openxmlformats.org/officeDocument/2006/relationships" xmlns:p="http://schemas.openxmlformats.org/presentationml/2006/main">
+  <p:cSld>
+    <p:spTree>
+      <p:nvGrpSpPr>
+        <p:cNvPr id="1" name=""/>
+        <p:cNvGrpSpPr/>
+        <p:nvPr/>
+      </p:nvGrpSpPr>
+      <p:grpSpPr>
+        <a:xfrm>
+          <a:off x="0" y="0"/>
+          <a:ext cx="0" cy="0"/>
+          <a:chOff x="0" y="0"/>
+          <a:chExt cx="0" cy="0"/>
+        </a:xfrm>
+      </p:grpSpPr>
+      <p:sp>
+        <p:nvSpPr>
+          <p:cNvPr id="2" name="1 Título"/>
+          <p:cNvSpPr>
+            <a:spLocks noGrp="1"/>
+          </p:cNvSpPr>
+          <p:nvPr>
+            <p:ph type="title"/>
+          </p:nvPr>
+        </p:nvSpPr>
+        <p:spPr/>
+        <p:txBody>
+          <a:bodyPr/>
+          <a:lstStyle/>
+          <a:p>
+            <a:r>
+              <a:rPr lang="es-ES" dirty="0" smtClean="0"/>
+              <a:t>Phonegap (2)</a:t>
+            </a:r>
+            <a:endParaRPr lang="es-ES" dirty="0"/>
+          </a:p>
+        </p:txBody>
+      </p:sp>
+      <p:sp>
+        <p:nvSpPr>
+          <p:cNvPr id="3" name="2 Marcador de contenido"/>
+          <p:cNvSpPr>
+            <a:spLocks noGrp="1"/>
+          </p:cNvSpPr>
+          <p:nvPr>
+            <p:ph idx="1"/>
+          </p:nvPr>
+        </p:nvSpPr>
+        <p:spPr/>
+        <p:txBody>
+          <a:bodyPr/>
+          <a:lstStyle/>
+          <a:p>
+            <a:r>
+              <a:rPr lang="es-ES" dirty="0" smtClean="0"/>
+              <a:t>Phonegap crea una estructura de directorios para llevar a cabo el desarrollo de la aplicación.</a:t>
+            </a:r>
+          </a:p>
+          <a:p>
+            <a:r>
+              <a:rPr lang="es-ES" dirty="0" smtClean="0"/>
+              <a:t>Por cuestiones prácticas la aplicación no usa esa estructura, pero incluye un script que crea dicha estructura y copia los archivos necesarios</a:t>
+            </a:r>
+            <a:endParaRPr lang="es-ES" dirty="0"/>
+          </a:p>
+        </p:txBody>
+      </p:sp>
+      <p:sp>
+        <p:nvSpPr>
+          <p:cNvPr id="4" name="3 Marcador de fecha"/>
+          <p:cNvSpPr>
+            <a:spLocks noGrp="1"/>
+          </p:cNvSpPr>
+          <p:nvPr>
+            <p:ph type="dt" sz="half" idx="10"/>
+          </p:nvPr>
+        </p:nvSpPr>
+        <p:spPr/>
+        <p:txBody>
+          <a:bodyPr/>
+          <a:lstStyle/>
+          <a:p>
+            <a:fld id="{B11D738E-8962-435F-8C43-147B8DD7E819}" type="datetime1">
+              <a:rPr lang="en-US" smtClean="0"/>
+              <a:t>2013-12-14</a:t>
+            </a:fld>
+            <a:endParaRPr lang="en-US"/>
+          </a:p>
+        </p:txBody>
+      </p:sp>
+      <p:sp>
+        <p:nvSpPr>
+          <p:cNvPr id="5" name="4 Marcador de pie de página"/>
+          <p:cNvSpPr>
+            <a:spLocks noGrp="1"/>
+          </p:cNvSpPr>
+          <p:nvPr>
+            <p:ph type="ftr" sz="quarter" idx="11"/>
+          </p:nvPr>
+        </p:nvSpPr>
+        <p:spPr/>
+        <p:txBody>
+          <a:bodyPr/>
+          <a:lstStyle/>
+          <a:p>
+            <a:r>
+              <a:rPr lang="en-US" smtClean="0"/>
+              <a:t>Footer Text</a:t>
+            </a:r>
+            <a:endParaRPr lang="en-US"/>
+          </a:p>
+        </p:txBody>
+      </p:sp>
+      <p:sp>
+        <p:nvSpPr>
+          <p:cNvPr id="6" name="5 Marcador de número de diapositiva"/>
+          <p:cNvSpPr>
+            <a:spLocks noGrp="1"/>
+          </p:cNvSpPr>
+          <p:nvPr>
+            <p:ph type="sldNum" sz="quarter" idx="12"/>
+          </p:nvPr>
+        </p:nvSpPr>
+        <p:spPr/>
+        <p:txBody>
+          <a:bodyPr/>
+          <a:lstStyle/>
+          <a:p>
+            <a:fld id="{BA9B540C-44DA-4F69-89C9-7C84606640D3}" type="slidenum">
+              <a:rPr lang="en-US" smtClean="0"/>
+              <a:pPr/>
+              <a:t>12</a:t>
             </a:fld>
             <a:endParaRPr lang="en-US"/>
           </a:p>
@@ -3720,16 +3981,8 @@
           <a:lstStyle/>
           <a:p>
             <a:r>
-              <a:rPr lang="en-US" dirty="0" err="1" smtClean="0"/>
-              <a:t>Repositorio</a:t>
-            </a:r>
-            <a:r>
-              <a:rPr lang="en-US" dirty="0" smtClean="0"/>
-              <a:t> </a:t>
-            </a:r>
-            <a:r>
-              <a:rPr lang="en-US" dirty="0" err="1" smtClean="0"/>
-              <a:t>público</a:t>
+              <a:rPr lang="es-ES" dirty="0" smtClean="0"/>
+              <a:t>Repositorio público</a:t>
             </a:r>
             <a:endParaRPr lang="es-ES" dirty="0"/>
           </a:p>
@@ -3751,35 +4004,23 @@
           <a:lstStyle/>
           <a:p>
             <a:r>
-              <a:rPr lang="en-US" dirty="0" err="1" smtClean="0"/>
-              <a:t>Borrasca</a:t>
-            </a:r>
-            <a:r>
-              <a:rPr lang="en-US" dirty="0" smtClean="0"/>
-              <a:t>-Next </a:t>
-            </a:r>
-            <a:r>
-              <a:rPr lang="en-US" dirty="0" err="1" smtClean="0"/>
-              <a:t>está</a:t>
-            </a:r>
-            <a:r>
-              <a:rPr lang="en-US" dirty="0" smtClean="0"/>
-              <a:t> </a:t>
-            </a:r>
-            <a:r>
-              <a:rPr lang="en-US" dirty="0" err="1" smtClean="0"/>
-              <a:t>disponible</a:t>
-            </a:r>
-            <a:r>
-              <a:rPr lang="en-US" dirty="0" smtClean="0"/>
-              <a:t> en </a:t>
-            </a:r>
-            <a:r>
-              <a:rPr lang="en-US" dirty="0" err="1" smtClean="0"/>
+              <a:rPr lang="es-ES" dirty="0" smtClean="0"/>
+              <a:t>Borrasca-</a:t>
+            </a:r>
+            <a:r>
+              <a:rPr lang="es-ES" dirty="0" err="1" smtClean="0"/>
+              <a:t>Next</a:t>
+            </a:r>
+            <a:r>
+              <a:rPr lang="es-ES" dirty="0" smtClean="0"/>
+              <a:t> está disponible en </a:t>
+            </a:r>
+            <a:r>
+              <a:rPr lang="es-ES" dirty="0" err="1" smtClean="0"/>
               <a:t>Github</a:t>
             </a:r>
             <a:r>
-              <a:rPr lang="en-US" dirty="0" smtClean="0"/>
+              <a:rPr lang="es-ES" dirty="0" smtClean="0"/>
               <a:t>:</a:t>
             </a:r>
           </a:p>
@@ -3789,7 +4030,13 @@
               <a:rPr lang="es-ES" dirty="0" smtClean="0">
                 <a:hlinkClick r:id="rId2"/>
               </a:rPr>
-              <a:t>https://github.com/jervert/borrasca-next</a:t>
+              <a:t>https</a:t>
+            </a:r>
+            <a:r>
+              <a:rPr lang="es-ES" dirty="0" smtClean="0">
+                <a:hlinkClick r:id="rId2"/>
+              </a:rPr>
+              <a:t>://github.com/jervert/borrasca-next</a:t>
             </a:r>
             <a:endParaRPr lang="es-ES" dirty="0"/>
           </a:p>
@@ -3875,6 +4122,13 @@
   <p:clrMapOvr>
     <a:masterClrMapping/>
   </p:clrMapOvr>
+  <p:timing>
+    <p:tnLst>
+      <p:par>
+        <p:cTn id="1" dur="indefinite" restart="never" nodeType="tmRoot"/>
+      </p:par>
+    </p:tnLst>
+  </p:timing>
 </p:sld>
 </file>
 
@@ -3913,16 +4167,8 @@
           <a:lstStyle/>
           <a:p>
             <a:r>
-              <a:rPr lang="en-US" dirty="0" err="1" smtClean="0"/>
-              <a:t>Objetivos</a:t>
-            </a:r>
-            <a:r>
-              <a:rPr lang="en-US" dirty="0" smtClean="0"/>
-              <a:t> de la </a:t>
-            </a:r>
-            <a:r>
-              <a:rPr lang="en-US" dirty="0" err="1" smtClean="0"/>
-              <a:t>aplicación</a:t>
+              <a:rPr lang="es-ES" dirty="0" smtClean="0"/>
+              <a:t>Objetivos de la aplicación</a:t>
             </a:r>
             <a:endParaRPr lang="es-ES" dirty="0"/>
           </a:p>
@@ -3946,334 +4192,54 @@
           <a:lstStyle/>
           <a:p>
             <a:r>
-              <a:rPr lang="en-US" dirty="0" smtClean="0"/>
-              <a:t>El </a:t>
-            </a:r>
-            <a:r>
-              <a:rPr lang="en-US" dirty="0" err="1" smtClean="0"/>
-              <a:t>objetivo</a:t>
-            </a:r>
-            <a:r>
-              <a:rPr lang="en-US" dirty="0" smtClean="0"/>
-              <a:t> </a:t>
-            </a:r>
-            <a:r>
-              <a:rPr lang="en-US" dirty="0" err="1" smtClean="0"/>
-              <a:t>perseguido</a:t>
-            </a:r>
-            <a:r>
-              <a:rPr lang="en-US" dirty="0" smtClean="0"/>
-              <a:t> </a:t>
-            </a:r>
-            <a:r>
-              <a:rPr lang="en-US" dirty="0" err="1" smtClean="0"/>
-              <a:t>es</a:t>
-            </a:r>
-            <a:r>
-              <a:rPr lang="en-US" dirty="0" smtClean="0"/>
-              <a:t>:</a:t>
+              <a:rPr lang="es-ES" dirty="0" smtClean="0"/>
+              <a:t>El objetivo perseguido es:</a:t>
             </a:r>
           </a:p>
           <a:p>
             <a:pPr lvl="1"/>
             <a:r>
-              <a:rPr lang="en-US" dirty="0" err="1" smtClean="0"/>
-              <a:t>Proporcionar</a:t>
-            </a:r>
-            <a:r>
-              <a:rPr lang="en-US" dirty="0" smtClean="0"/>
-              <a:t> </a:t>
-            </a:r>
-            <a:r>
-              <a:rPr lang="en-US" dirty="0" err="1" smtClean="0"/>
-              <a:t>información</a:t>
-            </a:r>
-            <a:r>
-              <a:rPr lang="en-US" dirty="0" smtClean="0"/>
-              <a:t> de </a:t>
-            </a:r>
-            <a:r>
-              <a:rPr lang="en-US" dirty="0" err="1" smtClean="0"/>
-              <a:t>previsión</a:t>
-            </a:r>
-            <a:r>
-              <a:rPr lang="en-US" dirty="0" smtClean="0"/>
-              <a:t> </a:t>
-            </a:r>
-            <a:r>
-              <a:rPr lang="en-US" dirty="0" err="1" smtClean="0"/>
-              <a:t>meteorológica</a:t>
-            </a:r>
-            <a:r>
-              <a:rPr lang="en-US" dirty="0" smtClean="0"/>
-              <a:t> de </a:t>
-            </a:r>
-            <a:r>
-              <a:rPr lang="en-US" dirty="0" err="1" smtClean="0"/>
-              <a:t>localidades</a:t>
-            </a:r>
-            <a:r>
-              <a:rPr lang="en-US" dirty="0" smtClean="0"/>
-              <a:t> de </a:t>
-            </a:r>
-            <a:r>
-              <a:rPr lang="en-US" dirty="0" err="1" smtClean="0"/>
-              <a:t>España</a:t>
-            </a:r>
-            <a:endParaRPr lang="en-US" dirty="0" smtClean="0"/>
+              <a:rPr lang="es-ES" dirty="0" smtClean="0"/>
+              <a:t>Proporcionar información de previsión meteorológica de localidades de España</a:t>
+            </a:r>
           </a:p>
           <a:p>
             <a:pPr lvl="1"/>
             <a:r>
-              <a:rPr lang="en-US" dirty="0" err="1" smtClean="0"/>
-              <a:t>Contención</a:t>
-            </a:r>
-            <a:r>
-              <a:rPr lang="en-US" dirty="0" smtClean="0"/>
-              <a:t> del </a:t>
-            </a:r>
-            <a:r>
-              <a:rPr lang="en-US" dirty="0" err="1" smtClean="0"/>
-              <a:t>coste</a:t>
-            </a:r>
-            <a:r>
-              <a:rPr lang="en-US" dirty="0" smtClean="0"/>
-              <a:t> en </a:t>
-            </a:r>
-            <a:r>
-              <a:rPr lang="en-US" dirty="0" err="1" smtClean="0"/>
-              <a:t>tiempo</a:t>
-            </a:r>
-            <a:r>
-              <a:rPr lang="en-US" dirty="0" smtClean="0"/>
-              <a:t> y </a:t>
-            </a:r>
-            <a:r>
-              <a:rPr lang="en-US" dirty="0" err="1" smtClean="0"/>
-              <a:t>dinero</a:t>
-            </a:r>
-            <a:r>
-              <a:rPr lang="en-US" dirty="0" smtClean="0"/>
-              <a:t>:</a:t>
+              <a:rPr lang="es-ES" dirty="0" smtClean="0"/>
+              <a:t>Contención del coste en tiempo y dinero:</a:t>
             </a:r>
           </a:p>
           <a:p>
             <a:pPr lvl="2"/>
             <a:r>
-              <a:rPr lang="en-US" dirty="0" err="1" smtClean="0"/>
-              <a:t>Distribución</a:t>
-            </a:r>
-            <a:r>
-              <a:rPr lang="en-US" dirty="0" smtClean="0"/>
-              <a:t> </a:t>
-            </a:r>
-            <a:r>
-              <a:rPr lang="en-US" dirty="0" err="1" smtClean="0"/>
-              <a:t>como</a:t>
-            </a:r>
-            <a:r>
-              <a:rPr lang="en-US" dirty="0" smtClean="0"/>
-              <a:t> </a:t>
-            </a:r>
-            <a:r>
-              <a:rPr lang="en-US" dirty="0" err="1" smtClean="0"/>
-              <a:t>aplicación</a:t>
-            </a:r>
-            <a:r>
-              <a:rPr lang="en-US" dirty="0" smtClean="0"/>
-              <a:t> web </a:t>
-            </a:r>
-            <a:r>
-              <a:rPr lang="en-US" dirty="0" err="1" smtClean="0"/>
-              <a:t>responsiva</a:t>
-            </a:r>
-            <a:r>
-              <a:rPr lang="en-US" dirty="0" smtClean="0"/>
-              <a:t> </a:t>
-            </a:r>
-            <a:r>
-              <a:rPr lang="en-US" dirty="0" err="1" smtClean="0"/>
-              <a:t>para</a:t>
-            </a:r>
-            <a:r>
-              <a:rPr lang="en-US" dirty="0" smtClean="0"/>
-              <a:t> </a:t>
-            </a:r>
-            <a:r>
-              <a:rPr lang="en-US" dirty="0" err="1" smtClean="0"/>
-              <a:t>llegar</a:t>
-            </a:r>
-            <a:r>
-              <a:rPr lang="en-US" dirty="0" smtClean="0"/>
-              <a:t> a </a:t>
-            </a:r>
-            <a:r>
-              <a:rPr lang="en-US" dirty="0" err="1" smtClean="0"/>
-              <a:t>cualquier</a:t>
-            </a:r>
-            <a:r>
-              <a:rPr lang="en-US" dirty="0" smtClean="0"/>
-              <a:t> </a:t>
-            </a:r>
-            <a:r>
-              <a:rPr lang="en-US" dirty="0" err="1" smtClean="0"/>
-              <a:t>dispositivo</a:t>
-            </a:r>
-            <a:endParaRPr lang="en-US" dirty="0" smtClean="0"/>
+              <a:rPr lang="es-ES" dirty="0" smtClean="0"/>
+              <a:t>Distribución como aplicación web responsiva </a:t>
+            </a:r>
+            <a:r>
+              <a:rPr lang="es-ES" b="1" dirty="0" smtClean="0"/>
+              <a:t>para llegar a cualquier dispositivo</a:t>
+            </a:r>
           </a:p>
           <a:p>
             <a:pPr lvl="2"/>
             <a:r>
-              <a:rPr lang="en-US" dirty="0" err="1" smtClean="0"/>
-              <a:t>Conversión</a:t>
-            </a:r>
-            <a:r>
-              <a:rPr lang="en-US" dirty="0" smtClean="0"/>
-              <a:t> a </a:t>
-            </a:r>
-            <a:r>
-              <a:rPr lang="en-US" dirty="0" err="1" smtClean="0"/>
-              <a:t>aplicación</a:t>
-            </a:r>
-            <a:r>
-              <a:rPr lang="en-US" dirty="0" smtClean="0"/>
-              <a:t> </a:t>
-            </a:r>
-            <a:r>
-              <a:rPr lang="en-US" dirty="0" err="1" smtClean="0"/>
-              <a:t>nativa</a:t>
-            </a:r>
-            <a:r>
-              <a:rPr lang="en-US" dirty="0" smtClean="0"/>
-              <a:t> </a:t>
-            </a:r>
-            <a:r>
-              <a:rPr lang="en-US" dirty="0" err="1" smtClean="0"/>
-              <a:t>mediante</a:t>
-            </a:r>
-            <a:r>
-              <a:rPr lang="en-US" dirty="0" smtClean="0"/>
-              <a:t> </a:t>
-            </a:r>
-            <a:r>
-              <a:rPr lang="en-US" dirty="0" err="1" smtClean="0"/>
-              <a:t>Phonegap</a:t>
-            </a:r>
-            <a:r>
-              <a:rPr lang="en-US" dirty="0" smtClean="0"/>
-              <a:t>, </a:t>
-            </a:r>
-            <a:r>
-              <a:rPr lang="en-US" dirty="0" err="1" smtClean="0"/>
-              <a:t>aprovechando</a:t>
-            </a:r>
-            <a:r>
-              <a:rPr lang="en-US" dirty="0" smtClean="0"/>
-              <a:t> el </a:t>
-            </a:r>
-            <a:r>
-              <a:rPr lang="en-US" dirty="0" err="1" smtClean="0"/>
-              <a:t>trabajo</a:t>
-            </a:r>
-            <a:r>
-              <a:rPr lang="en-US" dirty="0" smtClean="0"/>
-              <a:t> </a:t>
-            </a:r>
-            <a:r>
-              <a:rPr lang="en-US" dirty="0" err="1" smtClean="0"/>
-              <a:t>ya</a:t>
-            </a:r>
-            <a:r>
-              <a:rPr lang="en-US" dirty="0" smtClean="0"/>
-              <a:t> </a:t>
-            </a:r>
-            <a:r>
-              <a:rPr lang="en-US" dirty="0" err="1" smtClean="0"/>
-              <a:t>realizado</a:t>
-            </a:r>
-            <a:endParaRPr lang="en-US" dirty="0" smtClean="0"/>
+              <a:rPr lang="es-ES" dirty="0" smtClean="0"/>
+              <a:t>Conversión a aplicación nativa mediante Phonegap, aprovechando el trabajo ya realizado</a:t>
+            </a:r>
           </a:p>
           <a:p>
             <a:pPr lvl="2"/>
             <a:r>
-              <a:rPr lang="en-US" dirty="0" err="1" smtClean="0"/>
-              <a:t>Utilización</a:t>
-            </a:r>
-            <a:r>
-              <a:rPr lang="en-US" dirty="0" smtClean="0"/>
-              <a:t> de </a:t>
-            </a:r>
-            <a:r>
-              <a:rPr lang="en-US" dirty="0" err="1" smtClean="0"/>
-              <a:t>fuentes</a:t>
-            </a:r>
-            <a:r>
-              <a:rPr lang="en-US" dirty="0" smtClean="0"/>
-              <a:t> de </a:t>
-            </a:r>
-            <a:r>
-              <a:rPr lang="en-US" dirty="0" err="1" smtClean="0"/>
-              <a:t>datos</a:t>
-            </a:r>
-            <a:r>
-              <a:rPr lang="en-US" dirty="0" smtClean="0"/>
-              <a:t> </a:t>
-            </a:r>
-            <a:r>
-              <a:rPr lang="en-US" dirty="0" err="1" smtClean="0"/>
-              <a:t>gratuitas</a:t>
-            </a:r>
-            <a:endParaRPr lang="en-US" dirty="0" smtClean="0"/>
+              <a:rPr lang="es-ES" dirty="0" smtClean="0"/>
+              <a:t>Utilización de fuentes de datos gratuitas</a:t>
+            </a:r>
           </a:p>
           <a:p>
             <a:pPr lvl="2"/>
             <a:r>
-              <a:rPr lang="en-US" dirty="0" smtClean="0"/>
-              <a:t>Single Page Interface: </a:t>
-            </a:r>
-            <a:r>
-              <a:rPr lang="en-US" dirty="0" err="1" smtClean="0"/>
-              <a:t>restamos</a:t>
-            </a:r>
-            <a:r>
-              <a:rPr lang="en-US" dirty="0" smtClean="0"/>
-              <a:t> </a:t>
-            </a:r>
-            <a:r>
-              <a:rPr lang="en-US" dirty="0" err="1" smtClean="0"/>
-              <a:t>trabajo</a:t>
-            </a:r>
-            <a:r>
-              <a:rPr lang="en-US" dirty="0" smtClean="0"/>
-              <a:t> al </a:t>
-            </a:r>
-            <a:r>
-              <a:rPr lang="en-US" dirty="0" err="1" smtClean="0"/>
-              <a:t>servidor</a:t>
-            </a:r>
-            <a:r>
-              <a:rPr lang="en-US" dirty="0" smtClean="0"/>
-              <a:t>, lo </a:t>
-            </a:r>
-            <a:r>
-              <a:rPr lang="en-US" dirty="0" err="1" smtClean="0"/>
-              <a:t>cargamos</a:t>
-            </a:r>
-            <a:r>
-              <a:rPr lang="en-US" dirty="0" smtClean="0"/>
-              <a:t> al </a:t>
-            </a:r>
-            <a:r>
-              <a:rPr lang="en-US" dirty="0" err="1" smtClean="0"/>
-              <a:t>dispositivo</a:t>
-            </a:r>
-            <a:r>
-              <a:rPr lang="en-US" dirty="0" smtClean="0"/>
-              <a:t> </a:t>
-            </a:r>
-            <a:r>
-              <a:rPr lang="en-US" dirty="0" err="1" smtClean="0"/>
-              <a:t>cliente</a:t>
+              <a:rPr lang="es-ES" dirty="0" smtClean="0"/>
+              <a:t>Single Page Interface: restamos trabajo al servidor, lo cargamos al dispositivo cliente</a:t>
             </a:r>
             <a:endParaRPr lang="es-ES" dirty="0"/>
           </a:p>
@@ -4359,6 +4325,13 @@
   <p:clrMapOvr>
     <a:masterClrMapping/>
   </p:clrMapOvr>
+  <p:timing>
+    <p:tnLst>
+      <p:par>
+        <p:cTn id="1" dur="indefinite" restart="never" nodeType="tmRoot"/>
+      </p:par>
+    </p:tnLst>
+  </p:timing>
 </p:sld>
 </file>
 
@@ -4395,12 +4368,8 @@
           <a:lstStyle/>
           <a:p>
             <a:r>
-              <a:rPr lang="en-US" dirty="0" smtClean="0"/>
-              <a:t>Fuentes de </a:t>
-            </a:r>
-            <a:r>
-              <a:rPr lang="en-US" dirty="0" err="1" smtClean="0"/>
-              <a:t>datos</a:t>
+              <a:rPr lang="es-ES" dirty="0" smtClean="0"/>
+              <a:t>Fuentes de datos</a:t>
             </a:r>
             <a:endParaRPr lang="es-ES" dirty="0"/>
           </a:p>
@@ -4422,268 +4391,65 @@
           <a:lstStyle/>
           <a:p>
             <a:r>
-              <a:rPr lang="en-US" dirty="0" smtClean="0"/>
-              <a:t>Se </a:t>
-            </a:r>
-            <a:r>
-              <a:rPr lang="en-US" dirty="0" err="1" smtClean="0"/>
-              <a:t>utilizan</a:t>
-            </a:r>
-            <a:r>
-              <a:rPr lang="en-US" dirty="0" smtClean="0"/>
-              <a:t> </a:t>
-            </a:r>
-            <a:r>
-              <a:rPr lang="en-US" dirty="0" err="1" smtClean="0"/>
-              <a:t>tres</a:t>
-            </a:r>
-            <a:r>
-              <a:rPr lang="en-US" dirty="0" smtClean="0"/>
-              <a:t> </a:t>
-            </a:r>
-            <a:r>
-              <a:rPr lang="en-US" dirty="0" err="1" smtClean="0"/>
-              <a:t>fuentes</a:t>
-            </a:r>
-            <a:r>
-              <a:rPr lang="en-US" dirty="0" smtClean="0"/>
-              <a:t> de </a:t>
-            </a:r>
-            <a:r>
-              <a:rPr lang="en-US" dirty="0" err="1" smtClean="0"/>
-              <a:t>datos</a:t>
-            </a:r>
-            <a:r>
-              <a:rPr lang="en-US" dirty="0" smtClean="0"/>
-              <a:t>:</a:t>
+              <a:rPr lang="es-ES" dirty="0" smtClean="0"/>
+              <a:t>Se utilizan tres fuentes de datos:</a:t>
             </a:r>
           </a:p>
           <a:p>
             <a:pPr lvl="1"/>
             <a:r>
-              <a:rPr lang="en-US" dirty="0" err="1" smtClean="0"/>
+              <a:rPr lang="es-ES" dirty="0" err="1" smtClean="0"/>
               <a:t>Aemet</a:t>
             </a:r>
             <a:r>
-              <a:rPr lang="en-US" dirty="0" smtClean="0"/>
-              <a:t>, </a:t>
-            </a:r>
-            <a:r>
-              <a:rPr lang="en-US" dirty="0" err="1" smtClean="0"/>
-              <a:t>para</a:t>
-            </a:r>
-            <a:r>
-              <a:rPr lang="en-US" dirty="0" smtClean="0"/>
-              <a:t> la </a:t>
-            </a:r>
-            <a:r>
-              <a:rPr lang="en-US" dirty="0" err="1" smtClean="0"/>
-              <a:t>predicción</a:t>
-            </a:r>
-            <a:r>
-              <a:rPr lang="en-US" dirty="0" smtClean="0"/>
-              <a:t> a 7 </a:t>
-            </a:r>
-            <a:r>
-              <a:rPr lang="en-US" dirty="0" err="1" smtClean="0"/>
-              <a:t>días</a:t>
-            </a:r>
-            <a:endParaRPr lang="en-US" dirty="0" smtClean="0"/>
+              <a:rPr lang="es-ES" dirty="0" smtClean="0"/>
+              <a:t>, para la predicción a 7 días</a:t>
+            </a:r>
           </a:p>
           <a:p>
             <a:pPr lvl="1"/>
             <a:r>
-              <a:rPr lang="en-US" dirty="0" err="1" smtClean="0"/>
+              <a:rPr lang="es-ES" dirty="0" err="1" smtClean="0"/>
               <a:t>Openweathermap</a:t>
             </a:r>
             <a:r>
-              <a:rPr lang="en-US" dirty="0" smtClean="0"/>
-              <a:t>, </a:t>
-            </a:r>
-            <a:r>
-              <a:rPr lang="en-US" dirty="0" err="1" smtClean="0"/>
-              <a:t>para</a:t>
-            </a:r>
-            <a:r>
-              <a:rPr lang="en-US" dirty="0" smtClean="0"/>
-              <a:t> </a:t>
-            </a:r>
-            <a:r>
-              <a:rPr lang="en-US" dirty="0" err="1" smtClean="0"/>
-              <a:t>las</a:t>
-            </a:r>
-            <a:r>
-              <a:rPr lang="en-US" dirty="0" smtClean="0"/>
-              <a:t> </a:t>
-            </a:r>
-            <a:r>
-              <a:rPr lang="en-US" dirty="0" err="1" smtClean="0"/>
-              <a:t>condiciones</a:t>
-            </a:r>
-            <a:r>
-              <a:rPr lang="en-US" dirty="0" smtClean="0"/>
-              <a:t> </a:t>
-            </a:r>
-            <a:r>
-              <a:rPr lang="en-US" dirty="0" err="1" smtClean="0"/>
-              <a:t>actuales</a:t>
-            </a:r>
-            <a:endParaRPr lang="en-US" dirty="0" smtClean="0"/>
+              <a:rPr lang="es-ES" dirty="0" smtClean="0"/>
+              <a:t>, para las condiciones actuales</a:t>
+            </a:r>
           </a:p>
           <a:p>
             <a:pPr lvl="1"/>
             <a:r>
-              <a:rPr lang="en-US" dirty="0" err="1" smtClean="0"/>
+              <a:rPr lang="es-ES" dirty="0" err="1" smtClean="0"/>
               <a:t>Openstreetmaps</a:t>
             </a:r>
             <a:r>
-              <a:rPr lang="en-US" dirty="0" smtClean="0"/>
-              <a:t> </a:t>
-            </a:r>
-            <a:r>
-              <a:rPr lang="en-US" dirty="0" err="1" smtClean="0"/>
-              <a:t>para</a:t>
-            </a:r>
-            <a:r>
-              <a:rPr lang="en-US" dirty="0" smtClean="0"/>
-              <a:t> los </a:t>
-            </a:r>
-            <a:r>
-              <a:rPr lang="en-US" dirty="0" err="1" smtClean="0"/>
-              <a:t>mapas</a:t>
-            </a:r>
-            <a:endParaRPr lang="en-US" dirty="0" smtClean="0"/>
-          </a:p>
-          <a:p>
-            <a:r>
-              <a:rPr lang="en-US" dirty="0" smtClean="0"/>
-              <a:t>Los </a:t>
-            </a:r>
-            <a:r>
-              <a:rPr lang="en-US" dirty="0" err="1" smtClean="0"/>
-              <a:t>datos</a:t>
-            </a:r>
-            <a:r>
-              <a:rPr lang="en-US" dirty="0" smtClean="0"/>
-              <a:t> de </a:t>
-            </a:r>
-            <a:r>
-              <a:rPr lang="en-US" dirty="0" err="1" smtClean="0"/>
+              <a:rPr lang="es-ES" dirty="0" smtClean="0"/>
+              <a:t> para los mapas</a:t>
+            </a:r>
+          </a:p>
+          <a:p>
+            <a:r>
+              <a:rPr lang="es-ES" dirty="0" smtClean="0"/>
+              <a:t>Los datos de </a:t>
+            </a:r>
+            <a:r>
+              <a:rPr lang="es-ES" dirty="0" err="1" smtClean="0"/>
               <a:t>Aemet</a:t>
             </a:r>
             <a:r>
-              <a:rPr lang="en-US" dirty="0" smtClean="0"/>
+              <a:rPr lang="es-ES" dirty="0" smtClean="0"/>
               <a:t> y </a:t>
             </a:r>
             <a:r>
-              <a:rPr lang="en-US" dirty="0" err="1" smtClean="0"/>
+              <a:rPr lang="es-ES" dirty="0" err="1" smtClean="0"/>
               <a:t>Openweathermap</a:t>
             </a:r>
             <a:r>
-              <a:rPr lang="en-US" dirty="0" smtClean="0"/>
-              <a:t> son </a:t>
-            </a:r>
-            <a:r>
-              <a:rPr lang="en-US" dirty="0" err="1" smtClean="0"/>
-              <a:t>tratados</a:t>
-            </a:r>
-            <a:r>
-              <a:rPr lang="en-US" dirty="0" smtClean="0"/>
-              <a:t> en </a:t>
-            </a:r>
-            <a:r>
-              <a:rPr lang="en-US" dirty="0" err="1" smtClean="0"/>
-              <a:t>servidor</a:t>
-            </a:r>
-            <a:r>
-              <a:rPr lang="en-US" dirty="0" smtClean="0"/>
-              <a:t> </a:t>
-            </a:r>
-            <a:r>
-              <a:rPr lang="en-US" dirty="0" err="1" smtClean="0"/>
-              <a:t>previamente</a:t>
-            </a:r>
-            <a:r>
-              <a:rPr lang="en-US" dirty="0" smtClean="0"/>
-              <a:t> a </a:t>
-            </a:r>
-            <a:r>
-              <a:rPr lang="en-US" dirty="0" err="1" smtClean="0"/>
-              <a:t>su</a:t>
-            </a:r>
-            <a:r>
-              <a:rPr lang="en-US" dirty="0" smtClean="0"/>
-              <a:t> </a:t>
-            </a:r>
-            <a:r>
-              <a:rPr lang="en-US" dirty="0" err="1" smtClean="0"/>
-              <a:t>uso</a:t>
-            </a:r>
-            <a:r>
-              <a:rPr lang="en-US" dirty="0" smtClean="0"/>
-              <a:t>, con la </a:t>
-            </a:r>
-            <a:r>
-              <a:rPr lang="en-US" dirty="0" err="1" smtClean="0"/>
-              <a:t>intención</a:t>
-            </a:r>
-            <a:r>
-              <a:rPr lang="en-US" dirty="0" smtClean="0"/>
-              <a:t> a </a:t>
-            </a:r>
-            <a:r>
-              <a:rPr lang="en-US" dirty="0" err="1" smtClean="0"/>
-              <a:t>futuro</a:t>
-            </a:r>
-            <a:r>
-              <a:rPr lang="en-US" dirty="0" smtClean="0"/>
-              <a:t> de </a:t>
-            </a:r>
-            <a:r>
-              <a:rPr lang="en-US" dirty="0" err="1" smtClean="0"/>
-              <a:t>cachear</a:t>
-            </a:r>
-            <a:r>
-              <a:rPr lang="en-US" dirty="0" smtClean="0"/>
-              <a:t> </a:t>
-            </a:r>
-            <a:r>
-              <a:rPr lang="en-US" dirty="0" err="1" smtClean="0"/>
-              <a:t>esos</a:t>
-            </a:r>
-            <a:r>
-              <a:rPr lang="en-US" dirty="0" smtClean="0"/>
-              <a:t> </a:t>
-            </a:r>
-            <a:r>
-              <a:rPr lang="en-US" dirty="0" err="1" smtClean="0"/>
-              <a:t>datos</a:t>
-            </a:r>
-            <a:r>
-              <a:rPr lang="en-US" dirty="0" smtClean="0"/>
-              <a:t> y </a:t>
-            </a:r>
-            <a:r>
-              <a:rPr lang="en-US" dirty="0" err="1" smtClean="0"/>
-              <a:t>reducir</a:t>
-            </a:r>
-            <a:r>
-              <a:rPr lang="en-US" dirty="0" smtClean="0"/>
-              <a:t> </a:t>
-            </a:r>
-            <a:r>
-              <a:rPr lang="en-US" dirty="0" err="1" smtClean="0"/>
-              <a:t>las</a:t>
-            </a:r>
-            <a:r>
-              <a:rPr lang="en-US" dirty="0" smtClean="0"/>
-              <a:t> </a:t>
-            </a:r>
-            <a:r>
-              <a:rPr lang="en-US" dirty="0" err="1" smtClean="0"/>
-              <a:t>peticiones</a:t>
-            </a:r>
-            <a:endParaRPr lang="en-US" dirty="0"/>
+              <a:rPr lang="es-ES" dirty="0" smtClean="0"/>
+              <a:t> son tratados en servidor previamente a su uso, con la intención a futuro de cachear esos datos y reducir las peticiones</a:t>
+            </a:r>
+            <a:endParaRPr lang="es-ES" dirty="0"/>
           </a:p>
         </p:txBody>
       </p:sp>
@@ -4767,6 +4533,13 @@
   <p:clrMapOvr>
     <a:masterClrMapping/>
   </p:clrMapOvr>
+  <p:timing>
+    <p:tnLst>
+      <p:par>
+        <p:cTn id="1" dur="indefinite" restart="never" nodeType="tmRoot"/>
+      </p:par>
+    </p:tnLst>
+  </p:timing>
 </p:sld>
 </file>
 
@@ -4799,28 +4572,14 @@
         </p:nvSpPr>
         <p:spPr/>
         <p:txBody>
-          <a:bodyPr/>
-          <a:lstStyle/>
-          <a:p>
-            <a:r>
-              <a:rPr lang="en-US" dirty="0" err="1" smtClean="0"/>
-              <a:t>Estructuración</a:t>
-            </a:r>
-            <a:r>
-              <a:rPr lang="en-US" dirty="0" smtClean="0"/>
-              <a:t> del </a:t>
-            </a:r>
-            <a:r>
-              <a:rPr lang="en-US" dirty="0" err="1" smtClean="0"/>
-              <a:t>área</a:t>
-            </a:r>
-            <a:r>
-              <a:rPr lang="en-US" dirty="0" smtClean="0"/>
-              <a:t> de </a:t>
-            </a:r>
-            <a:r>
-              <a:rPr lang="en-US" dirty="0" err="1" smtClean="0"/>
-              <a:t>trabajo</a:t>
+          <a:bodyPr>
+            <a:normAutofit fontScale="90000"/>
+          </a:bodyPr>
+          <a:lstStyle/>
+          <a:p>
+            <a:r>
+              <a:rPr lang="es-ES" dirty="0" smtClean="0"/>
+              <a:t>Estructuración del área de trabajo (1)</a:t>
             </a:r>
             <a:endParaRPr lang="es-ES" dirty="0"/>
           </a:p>
@@ -4839,276 +4598,65 @@
         <p:spPr/>
         <p:txBody>
           <a:bodyPr>
-            <a:normAutofit fontScale="92500" lnSpcReduction="20000"/>
+            <a:normAutofit/>
           </a:bodyPr>
           <a:lstStyle/>
           <a:p>
             <a:r>
-              <a:rPr lang="en-US" dirty="0" smtClean="0"/>
-              <a:t>Se </a:t>
-            </a:r>
-            <a:r>
-              <a:rPr lang="en-US" dirty="0" err="1" smtClean="0"/>
-              <a:t>prioriza</a:t>
-            </a:r>
-            <a:r>
-              <a:rPr lang="en-US" dirty="0" smtClean="0"/>
-              <a:t> la </a:t>
-            </a:r>
-            <a:r>
-              <a:rPr lang="en-US" dirty="0" err="1" smtClean="0"/>
-              <a:t>separación</a:t>
-            </a:r>
-            <a:r>
-              <a:rPr lang="en-US" dirty="0" smtClean="0"/>
-              <a:t> entre los </a:t>
-            </a:r>
-            <a:r>
-              <a:rPr lang="en-US" dirty="0" err="1" smtClean="0"/>
-              <a:t>elementos</a:t>
-            </a:r>
-            <a:r>
-              <a:rPr lang="en-US" dirty="0" smtClean="0"/>
-              <a:t> </a:t>
-            </a:r>
-            <a:r>
-              <a:rPr lang="en-US" dirty="0" err="1" smtClean="0"/>
-              <a:t>necesarios</a:t>
-            </a:r>
-            <a:r>
-              <a:rPr lang="en-US" dirty="0" smtClean="0"/>
-              <a:t> </a:t>
-            </a:r>
-            <a:r>
-              <a:rPr lang="en-US" dirty="0" err="1" smtClean="0"/>
-              <a:t>para</a:t>
-            </a:r>
-            <a:r>
-              <a:rPr lang="en-US" dirty="0" smtClean="0"/>
-              <a:t> </a:t>
-            </a:r>
-            <a:r>
-              <a:rPr lang="en-US" dirty="0" err="1" smtClean="0"/>
-              <a:t>su</a:t>
-            </a:r>
-            <a:r>
-              <a:rPr lang="en-US" dirty="0" smtClean="0"/>
-              <a:t> </a:t>
-            </a:r>
-            <a:r>
-              <a:rPr lang="en-US" dirty="0" err="1" smtClean="0"/>
-              <a:t>uso</a:t>
-            </a:r>
-            <a:r>
-              <a:rPr lang="en-US" dirty="0" smtClean="0"/>
-              <a:t> </a:t>
-            </a:r>
-            <a:r>
-              <a:rPr lang="en-US" dirty="0" err="1" smtClean="0"/>
-              <a:t>como</a:t>
-            </a:r>
-            <a:r>
-              <a:rPr lang="en-US" dirty="0" smtClean="0"/>
-              <a:t> </a:t>
-            </a:r>
-            <a:r>
-              <a:rPr lang="en-US" dirty="0" err="1" smtClean="0"/>
-              <a:t>aplicación</a:t>
-            </a:r>
-            <a:r>
-              <a:rPr lang="en-US" dirty="0" smtClean="0"/>
-              <a:t> web y </a:t>
-            </a:r>
-            <a:r>
-              <a:rPr lang="en-US" dirty="0" err="1" smtClean="0"/>
-              <a:t>aplicación</a:t>
-            </a:r>
-            <a:r>
-              <a:rPr lang="en-US" dirty="0" smtClean="0"/>
-              <a:t> </a:t>
-            </a:r>
-            <a:r>
-              <a:rPr lang="en-US" dirty="0" err="1" smtClean="0"/>
-              <a:t>nativa</a:t>
-            </a:r>
-            <a:endParaRPr lang="en-US" dirty="0" smtClean="0"/>
-          </a:p>
-          <a:p>
-            <a:r>
-              <a:rPr lang="en-US" dirty="0" smtClean="0"/>
-              <a:t>Para la </a:t>
-            </a:r>
-            <a:r>
-              <a:rPr lang="en-US" dirty="0" err="1" smtClean="0"/>
-              <a:t>aplicación</a:t>
-            </a:r>
-            <a:r>
-              <a:rPr lang="en-US" dirty="0" smtClean="0"/>
-              <a:t> web se </a:t>
-            </a:r>
-            <a:r>
-              <a:rPr lang="en-US" dirty="0" err="1" smtClean="0"/>
-              <a:t>utilizan</a:t>
-            </a:r>
-            <a:endParaRPr lang="en-US" dirty="0" smtClean="0"/>
+              <a:rPr lang="es-ES" dirty="0" smtClean="0"/>
+              <a:t>Se prioriza la separación entre los elementos necesarios para su uso como aplicación web y aplicación nativa</a:t>
+            </a:r>
+          </a:p>
+          <a:p>
+            <a:r>
+              <a:rPr lang="es-ES" dirty="0" smtClean="0"/>
+              <a:t>Para la aplicación web se utilizan</a:t>
+            </a:r>
           </a:p>
           <a:p>
             <a:pPr lvl="1"/>
             <a:r>
-              <a:rPr lang="en-US" dirty="0" smtClean="0"/>
-              <a:t>app (</a:t>
-            </a:r>
-            <a:r>
-              <a:rPr lang="en-US" dirty="0" err="1" smtClean="0"/>
-              <a:t>contiene</a:t>
-            </a:r>
-            <a:r>
-              <a:rPr lang="en-US" dirty="0" smtClean="0"/>
-              <a:t> la </a:t>
-            </a:r>
-            <a:r>
-              <a:rPr lang="en-US" dirty="0" err="1" smtClean="0"/>
-              <a:t>aplicación</a:t>
-            </a:r>
-            <a:r>
-              <a:rPr lang="en-US" dirty="0" smtClean="0"/>
-              <a:t>)</a:t>
+              <a:rPr lang="es-ES" i="1" dirty="0" err="1" smtClean="0"/>
+              <a:t>app</a:t>
+            </a:r>
+            <a:r>
+              <a:rPr lang="es-ES" dirty="0" smtClean="0"/>
+              <a:t>: </a:t>
+            </a:r>
+            <a:r>
+              <a:rPr lang="es-ES" dirty="0" smtClean="0"/>
+              <a:t>contiene la aplicación</a:t>
             </a:r>
           </a:p>
           <a:p>
             <a:pPr lvl="1"/>
             <a:r>
-              <a:rPr lang="en-US" dirty="0" err="1" smtClean="0"/>
+              <a:rPr lang="es-ES" i="1" dirty="0" err="1" smtClean="0"/>
               <a:t>php</a:t>
             </a:r>
             <a:r>
-              <a:rPr lang="en-US" dirty="0" smtClean="0"/>
-              <a:t> / node (</a:t>
-            </a:r>
-            <a:r>
-              <a:rPr lang="en-US" dirty="0" err="1" smtClean="0"/>
-              <a:t>contienen</a:t>
-            </a:r>
-            <a:r>
-              <a:rPr lang="en-US" dirty="0" smtClean="0"/>
-              <a:t> la parte de </a:t>
-            </a:r>
-            <a:r>
-              <a:rPr lang="en-US" dirty="0" err="1" smtClean="0"/>
-              <a:t>servidor</a:t>
-            </a:r>
-            <a:r>
-              <a:rPr lang="en-US" dirty="0" smtClean="0"/>
-              <a:t>)</a:t>
+              <a:rPr lang="es-ES" dirty="0" smtClean="0"/>
+              <a:t> / </a:t>
+            </a:r>
+            <a:r>
+              <a:rPr lang="es-ES" i="1" dirty="0" err="1" smtClean="0"/>
+              <a:t>node</a:t>
+            </a:r>
+            <a:r>
+              <a:rPr lang="es-ES" dirty="0" smtClean="0"/>
+              <a:t>: contienen la parte de servidor</a:t>
             </a:r>
           </a:p>
           <a:p>
             <a:pPr lvl="1"/>
             <a:r>
-              <a:rPr lang="en-US" dirty="0" smtClean="0"/>
-              <a:t>data (</a:t>
-            </a:r>
-            <a:r>
-              <a:rPr lang="en-US" dirty="0" err="1" smtClean="0"/>
-              <a:t>contiene</a:t>
-            </a:r>
-            <a:r>
-              <a:rPr lang="en-US" dirty="0" smtClean="0"/>
-              <a:t> la base de </a:t>
-            </a:r>
-            <a:r>
-              <a:rPr lang="en-US" dirty="0" err="1" smtClean="0"/>
-              <a:t>datos</a:t>
-            </a:r>
-            <a:r>
-              <a:rPr lang="en-US" dirty="0" smtClean="0"/>
-              <a:t>)</a:t>
-            </a:r>
-          </a:p>
-          <a:p>
-            <a:r>
-              <a:rPr lang="en-US" dirty="0" smtClean="0"/>
-              <a:t>Para la </a:t>
-            </a:r>
-            <a:r>
-              <a:rPr lang="en-US" dirty="0" err="1" smtClean="0"/>
-              <a:t>aplicación</a:t>
-            </a:r>
-            <a:r>
-              <a:rPr lang="en-US" dirty="0" smtClean="0"/>
-              <a:t> </a:t>
-            </a:r>
-            <a:r>
-              <a:rPr lang="en-US" dirty="0" err="1" smtClean="0"/>
-              <a:t>nativa</a:t>
-            </a:r>
-            <a:r>
-              <a:rPr lang="en-US" dirty="0" smtClean="0"/>
-              <a:t> se </a:t>
-            </a:r>
-            <a:r>
-              <a:rPr lang="en-US" dirty="0" err="1" smtClean="0"/>
-              <a:t>mezclan</a:t>
-            </a:r>
-            <a:r>
-              <a:rPr lang="en-US" dirty="0" smtClean="0"/>
-              <a:t> en </a:t>
-            </a:r>
-            <a:r>
-              <a:rPr lang="en-US" dirty="0" err="1" smtClean="0"/>
-              <a:t>uno</a:t>
-            </a:r>
-            <a:r>
-              <a:rPr lang="en-US" dirty="0" smtClean="0"/>
-              <a:t> solo:</a:t>
-            </a:r>
-          </a:p>
-          <a:p>
-            <a:pPr lvl="1"/>
-            <a:r>
-              <a:rPr lang="en-US" dirty="0" smtClean="0"/>
-              <a:t>app (</a:t>
-            </a:r>
-            <a:r>
-              <a:rPr lang="en-US" dirty="0" err="1" smtClean="0"/>
-              <a:t>eliminando</a:t>
-            </a:r>
-            <a:r>
-              <a:rPr lang="en-US" dirty="0" smtClean="0"/>
-              <a:t> los </a:t>
-            </a:r>
-            <a:r>
-              <a:rPr lang="en-US" dirty="0" err="1" smtClean="0"/>
-              <a:t>ficheros</a:t>
-            </a:r>
-            <a:r>
-              <a:rPr lang="en-US" dirty="0" smtClean="0"/>
-              <a:t> </a:t>
-            </a:r>
-            <a:r>
-              <a:rPr lang="en-US" dirty="0" err="1" smtClean="0"/>
-              <a:t>relacionados</a:t>
-            </a:r>
-            <a:r>
-              <a:rPr lang="en-US" dirty="0" smtClean="0"/>
-              <a:t> con el </a:t>
-            </a:r>
-            <a:r>
-              <a:rPr lang="en-US" dirty="0" err="1" smtClean="0"/>
-              <a:t>servidor</a:t>
-            </a:r>
-            <a:r>
-              <a:rPr lang="en-US" dirty="0" smtClean="0"/>
-              <a:t>)</a:t>
-            </a:r>
-          </a:p>
-          <a:p>
-            <a:pPr lvl="1"/>
-            <a:r>
-              <a:rPr lang="en-US" dirty="0" err="1" smtClean="0"/>
-              <a:t>phonegap</a:t>
-            </a:r>
-            <a:endParaRPr lang="es-ES" dirty="0"/>
+              <a:rPr lang="es-ES" i="1" dirty="0" smtClean="0"/>
+              <a:t>data</a:t>
+            </a:r>
+            <a:r>
+              <a:rPr lang="es-ES" dirty="0" smtClean="0"/>
+              <a:t>: contiene la base de datos</a:t>
+            </a:r>
           </a:p>
         </p:txBody>
       </p:sp>
@@ -5231,12 +4779,18 @@
         </p:nvSpPr>
         <p:spPr/>
         <p:txBody>
-          <a:bodyPr/>
-          <a:lstStyle/>
-          <a:p>
-            <a:r>
-              <a:rPr lang="en-US" dirty="0" err="1" smtClean="0"/>
-              <a:t>Servidor</a:t>
+          <a:bodyPr>
+            <a:normAutofit fontScale="90000"/>
+          </a:bodyPr>
+          <a:lstStyle/>
+          <a:p>
+            <a:r>
+              <a:rPr lang="es-ES" dirty="0"/>
+              <a:t>Estructuración del área de trabajo </a:t>
+            </a:r>
+            <a:r>
+              <a:rPr lang="es-ES" dirty="0" smtClean="0"/>
+              <a:t>(2)</a:t>
             </a:r>
             <a:endParaRPr lang="es-ES" dirty="0"/>
           </a:p>
@@ -5254,273 +4808,79 @@
         </p:nvSpPr>
         <p:spPr/>
         <p:txBody>
-          <a:bodyPr>
-            <a:normAutofit fontScale="92500" lnSpcReduction="10000"/>
-          </a:bodyPr>
-          <a:lstStyle/>
-          <a:p>
-            <a:r>
-              <a:rPr lang="en-US" dirty="0" smtClean="0"/>
-              <a:t>La idea </a:t>
-            </a:r>
-            <a:r>
-              <a:rPr lang="en-US" dirty="0" err="1" smtClean="0"/>
-              <a:t>inicial</a:t>
-            </a:r>
-            <a:r>
-              <a:rPr lang="en-US" dirty="0" smtClean="0"/>
-              <a:t> era un </a:t>
-            </a:r>
-            <a:r>
-              <a:rPr lang="en-US" dirty="0" err="1" smtClean="0"/>
-              <a:t>servidor</a:t>
-            </a:r>
-            <a:r>
-              <a:rPr lang="en-US" dirty="0" smtClean="0"/>
-              <a:t> con Node.js</a:t>
-            </a:r>
-          </a:p>
-          <a:p>
-            <a:r>
-              <a:rPr lang="en-US" dirty="0" smtClean="0"/>
-              <a:t>La </a:t>
-            </a:r>
-            <a:r>
-              <a:rPr lang="en-US" dirty="0" err="1" smtClean="0"/>
-              <a:t>dificultad</a:t>
-            </a:r>
-            <a:r>
-              <a:rPr lang="en-US" dirty="0" smtClean="0"/>
-              <a:t> de </a:t>
-            </a:r>
-            <a:r>
-              <a:rPr lang="en-US" dirty="0" err="1" smtClean="0"/>
-              <a:t>encontrar</a:t>
-            </a:r>
-            <a:r>
-              <a:rPr lang="en-US" dirty="0" smtClean="0"/>
-              <a:t> </a:t>
-            </a:r>
-            <a:r>
-              <a:rPr lang="en-US" dirty="0" err="1" smtClean="0"/>
-              <a:t>alojamiento</a:t>
-            </a:r>
-            <a:r>
-              <a:rPr lang="en-US" dirty="0" smtClean="0"/>
-              <a:t> </a:t>
-            </a:r>
-            <a:r>
-              <a:rPr lang="en-US" dirty="0" err="1" smtClean="0"/>
-              <a:t>fiable</a:t>
-            </a:r>
-            <a:r>
-              <a:rPr lang="en-US" dirty="0" smtClean="0"/>
-              <a:t> (</a:t>
-            </a:r>
-            <a:r>
-              <a:rPr lang="en-US" dirty="0" err="1" smtClean="0"/>
-              <a:t>más</a:t>
-            </a:r>
-            <a:r>
-              <a:rPr lang="en-US" dirty="0" smtClean="0"/>
-              <a:t> </a:t>
-            </a:r>
-            <a:r>
-              <a:rPr lang="en-US" dirty="0" err="1" smtClean="0"/>
-              <a:t>que</a:t>
-            </a:r>
-            <a:r>
-              <a:rPr lang="en-US" dirty="0" smtClean="0"/>
-              <a:t> </a:t>
-            </a:r>
-            <a:r>
-              <a:rPr lang="en-US" dirty="0" err="1" smtClean="0"/>
-              <a:t>una</a:t>
-            </a:r>
-            <a:r>
-              <a:rPr lang="en-US" dirty="0" smtClean="0"/>
-              <a:t> Raspberry…) y </a:t>
-            </a:r>
-            <a:r>
-              <a:rPr lang="en-US" dirty="0" err="1" smtClean="0"/>
-              <a:t>económico</a:t>
-            </a:r>
-            <a:r>
-              <a:rPr lang="en-US" dirty="0" smtClean="0"/>
-              <a:t> </a:t>
-            </a:r>
-            <a:r>
-              <a:rPr lang="en-US" dirty="0" err="1" smtClean="0"/>
-              <a:t>obliga</a:t>
-            </a:r>
-            <a:r>
-              <a:rPr lang="en-US" dirty="0" smtClean="0"/>
-              <a:t> a </a:t>
-            </a:r>
-            <a:r>
-              <a:rPr lang="en-US" dirty="0" err="1" smtClean="0"/>
-              <a:t>crear</a:t>
-            </a:r>
-            <a:r>
-              <a:rPr lang="en-US" dirty="0" smtClean="0"/>
-              <a:t> </a:t>
-            </a:r>
-            <a:r>
-              <a:rPr lang="en-US" dirty="0" err="1" smtClean="0"/>
-              <a:t>una</a:t>
-            </a:r>
-            <a:r>
-              <a:rPr lang="en-US" dirty="0" smtClean="0"/>
-              <a:t> </a:t>
-            </a:r>
-            <a:r>
-              <a:rPr lang="en-US" dirty="0" err="1" smtClean="0"/>
-              <a:t>versión</a:t>
-            </a:r>
-            <a:r>
-              <a:rPr lang="en-US" dirty="0" smtClean="0"/>
-              <a:t> en PHP</a:t>
-            </a:r>
-          </a:p>
-          <a:p>
-            <a:r>
-              <a:rPr lang="en-US" dirty="0" smtClean="0"/>
-              <a:t>Base de </a:t>
-            </a:r>
-            <a:r>
-              <a:rPr lang="en-US" dirty="0" err="1" smtClean="0"/>
-              <a:t>datos</a:t>
-            </a:r>
-            <a:r>
-              <a:rPr lang="en-US" dirty="0" smtClean="0"/>
-              <a:t> en </a:t>
-            </a:r>
-            <a:r>
-              <a:rPr lang="en-US" dirty="0" err="1" smtClean="0"/>
-              <a:t>formato</a:t>
-            </a:r>
-            <a:r>
-              <a:rPr lang="en-US" dirty="0" smtClean="0"/>
-              <a:t> SQLite:</a:t>
+          <a:bodyPr/>
+          <a:lstStyle/>
+          <a:p>
+            <a:r>
+              <a:rPr lang="es-ES" dirty="0"/>
+              <a:t>Para la aplicación nativa se mezclan en uno solo ‘</a:t>
+            </a:r>
+            <a:r>
+              <a:rPr lang="es-ES" dirty="0" err="1"/>
+              <a:t>app</a:t>
+            </a:r>
+            <a:r>
+              <a:rPr lang="es-ES" dirty="0"/>
+              <a:t>’ y ‘</a:t>
+            </a:r>
+            <a:r>
+              <a:rPr lang="es-ES" dirty="0" err="1"/>
+              <a:t>phonegap</a:t>
+            </a:r>
+            <a:r>
+              <a:rPr lang="es-ES" dirty="0"/>
+              <a:t>’:</a:t>
             </a:r>
           </a:p>
           <a:p>
             <a:pPr lvl="1"/>
             <a:r>
-              <a:rPr lang="en-US" dirty="0" err="1" smtClean="0"/>
-              <a:t>Evita</a:t>
-            </a:r>
-            <a:r>
-              <a:rPr lang="en-US" dirty="0" smtClean="0"/>
-              <a:t> la </a:t>
-            </a:r>
-            <a:r>
-              <a:rPr lang="en-US" dirty="0" err="1" smtClean="0"/>
-              <a:t>necesidad</a:t>
-            </a:r>
-            <a:r>
-              <a:rPr lang="en-US" dirty="0" smtClean="0"/>
-              <a:t> de </a:t>
-            </a:r>
-            <a:r>
-              <a:rPr lang="en-US" dirty="0" err="1" smtClean="0"/>
-              <a:t>utilizar</a:t>
-            </a:r>
-            <a:r>
-              <a:rPr lang="en-US" dirty="0" smtClean="0"/>
-              <a:t> un </a:t>
-            </a:r>
-            <a:r>
-              <a:rPr lang="en-US" dirty="0" err="1" smtClean="0"/>
-              <a:t>servidor</a:t>
-            </a:r>
-            <a:r>
-              <a:rPr lang="en-US" dirty="0" smtClean="0"/>
-              <a:t> de base de </a:t>
-            </a:r>
-            <a:r>
-              <a:rPr lang="en-US" dirty="0" err="1" smtClean="0"/>
-              <a:t>datos</a:t>
-            </a:r>
-            <a:endParaRPr lang="en-US" dirty="0" smtClean="0"/>
+              <a:rPr lang="es-ES" i="1" dirty="0" err="1"/>
+              <a:t>app</a:t>
+            </a:r>
+            <a:endParaRPr lang="es-ES" dirty="0"/>
           </a:p>
           <a:p>
             <a:pPr lvl="1"/>
             <a:r>
-              <a:rPr lang="en-US" dirty="0" err="1" smtClean="0"/>
-              <a:t>Tanto</a:t>
-            </a:r>
-            <a:r>
-              <a:rPr lang="en-US" dirty="0" smtClean="0"/>
-              <a:t> PHP </a:t>
-            </a:r>
-            <a:r>
-              <a:rPr lang="en-US" dirty="0" err="1" smtClean="0"/>
-              <a:t>como</a:t>
-            </a:r>
-            <a:r>
-              <a:rPr lang="en-US" dirty="0" smtClean="0"/>
-              <a:t> Node.js la </a:t>
-            </a:r>
-            <a:r>
-              <a:rPr lang="en-US" dirty="0" err="1" smtClean="0"/>
-              <a:t>pueden</a:t>
-            </a:r>
-            <a:r>
-              <a:rPr lang="en-US" dirty="0" smtClean="0"/>
-              <a:t> </a:t>
-            </a:r>
-            <a:r>
-              <a:rPr lang="en-US" dirty="0" err="1" smtClean="0"/>
-              <a:t>consultar</a:t>
-            </a:r>
-            <a:r>
-              <a:rPr lang="en-US" dirty="0" smtClean="0"/>
-              <a:t> sin </a:t>
-            </a:r>
-            <a:r>
-              <a:rPr lang="en-US" dirty="0" err="1" smtClean="0"/>
-              <a:t>dificultades</a:t>
-            </a:r>
-            <a:r>
-              <a:rPr lang="en-US" dirty="0" smtClean="0"/>
-              <a:t>. En el </a:t>
-            </a:r>
-            <a:r>
-              <a:rPr lang="en-US" dirty="0" err="1" smtClean="0"/>
-              <a:t>caso</a:t>
-            </a:r>
-            <a:r>
-              <a:rPr lang="en-US" dirty="0" smtClean="0"/>
-              <a:t> de PHP </a:t>
-            </a:r>
-            <a:r>
-              <a:rPr lang="en-US" dirty="0" err="1" smtClean="0"/>
-              <a:t>cualquier</a:t>
-            </a:r>
-            <a:r>
-              <a:rPr lang="en-US" dirty="0" smtClean="0"/>
-              <a:t> </a:t>
-            </a:r>
-            <a:r>
-              <a:rPr lang="en-US" dirty="0" err="1" smtClean="0"/>
-              <a:t>alojamiento</a:t>
-            </a:r>
-            <a:r>
-              <a:rPr lang="en-US" dirty="0" smtClean="0"/>
-              <a:t> </a:t>
-            </a:r>
-            <a:r>
-              <a:rPr lang="en-US" dirty="0" err="1" smtClean="0"/>
-              <a:t>permite</a:t>
-            </a:r>
-            <a:r>
-              <a:rPr lang="en-US" dirty="0" smtClean="0"/>
-              <a:t> </a:t>
-            </a:r>
-            <a:r>
-              <a:rPr lang="en-US" dirty="0" err="1" smtClean="0"/>
-              <a:t>utilizarlas</a:t>
+              <a:rPr lang="es-ES" i="1" dirty="0" err="1"/>
+              <a:t>phonegap</a:t>
+            </a:r>
+            <a:r>
+              <a:rPr lang="es-ES" dirty="0"/>
+              <a:t>: incluye configuración para aplicación nativa, iconos, pantalla de inicio, etc.</a:t>
+            </a:r>
+            <a:endParaRPr lang="es-ES" i="1" dirty="0"/>
+          </a:p>
+          <a:p>
+            <a:pPr lvl="1"/>
+            <a:r>
+              <a:rPr lang="es-ES" i="1" dirty="0" err="1"/>
+              <a:t>php</a:t>
+            </a:r>
+            <a:r>
+              <a:rPr lang="es-ES" dirty="0"/>
+              <a:t> / </a:t>
+            </a:r>
+            <a:r>
+              <a:rPr lang="es-ES" i="1" dirty="0" err="1"/>
+              <a:t>node</a:t>
+            </a:r>
+            <a:r>
+              <a:rPr lang="es-ES" dirty="0"/>
+              <a:t> y </a:t>
+            </a:r>
+            <a:r>
+              <a:rPr lang="es-ES" i="1" dirty="0"/>
+              <a:t>data</a:t>
+            </a:r>
+            <a:r>
+              <a:rPr lang="es-ES" dirty="0"/>
+              <a:t>: no se incluyen, su funcionalidad se utiliza de la versión publicada como aplicación </a:t>
+            </a:r>
+            <a:r>
+              <a:rPr lang="es-ES" dirty="0" smtClean="0"/>
+              <a:t>web</a:t>
             </a:r>
             <a:endParaRPr lang="es-ES" dirty="0"/>
           </a:p>
@@ -5599,20 +4959,13 @@
     </p:spTree>
     <p:extLst>
       <p:ext uri="{BB962C8B-B14F-4D97-AF65-F5344CB8AC3E}">
-        <p14:creationId xmlns:p14="http://schemas.microsoft.com/office/powerpoint/2010/main" val="1239821687"/>
+        <p14:creationId xmlns:p14="http://schemas.microsoft.com/office/powerpoint/2010/main" val="2812788232"/>
       </p:ext>
     </p:extLst>
   </p:cSld>
   <p:clrMapOvr>
     <a:masterClrMapping/>
   </p:clrMapOvr>
-  <p:timing>
-    <p:tnLst>
-      <p:par>
-        <p:cTn id="1" dur="indefinite" restart="never" nodeType="tmRoot"/>
-      </p:par>
-    </p:tnLst>
-  </p:timing>
 </p:sld>
 </file>
 
@@ -5645,12 +4998,18 @@
         </p:nvSpPr>
         <p:spPr/>
         <p:txBody>
-          <a:bodyPr/>
-          <a:lstStyle/>
-          <a:p>
-            <a:r>
-              <a:rPr lang="en-US" dirty="0" smtClean="0"/>
-              <a:t>Require.js</a:t>
+          <a:bodyPr>
+            <a:normAutofit fontScale="90000"/>
+          </a:bodyPr>
+          <a:lstStyle/>
+          <a:p>
+            <a:r>
+              <a:rPr lang="es-ES" dirty="0"/>
+              <a:t>Estructuración del área de trabajo </a:t>
+            </a:r>
+            <a:r>
+              <a:rPr lang="es-ES" dirty="0" smtClean="0"/>
+              <a:t>(3)</a:t>
             </a:r>
             <a:endParaRPr lang="es-ES" dirty="0"/>
           </a:p>
@@ -5672,186 +5031,65 @@
           <a:lstStyle/>
           <a:p>
             <a:r>
-              <a:rPr lang="en-US" dirty="0" smtClean="0"/>
-              <a:t>Se </a:t>
-            </a:r>
-            <a:r>
-              <a:rPr lang="en-US" dirty="0" err="1" smtClean="0"/>
-              <a:t>utiliza</a:t>
-            </a:r>
-            <a:r>
-              <a:rPr lang="en-US" dirty="0" smtClean="0"/>
-              <a:t> Require.js </a:t>
-            </a:r>
-            <a:r>
-              <a:rPr lang="en-US" dirty="0" err="1" smtClean="0"/>
-              <a:t>para</a:t>
-            </a:r>
-            <a:r>
-              <a:rPr lang="en-US" dirty="0" smtClean="0"/>
-              <a:t> la </a:t>
-            </a:r>
-            <a:r>
-              <a:rPr lang="en-US" dirty="0" err="1" smtClean="0"/>
-              <a:t>gestión</a:t>
-            </a:r>
-            <a:r>
-              <a:rPr lang="en-US" dirty="0" smtClean="0"/>
-              <a:t> de </a:t>
-            </a:r>
-            <a:r>
-              <a:rPr lang="en-US" dirty="0" err="1" smtClean="0"/>
-              <a:t>dependencias</a:t>
-            </a:r>
-            <a:r>
-              <a:rPr lang="en-US" dirty="0" smtClean="0"/>
-              <a:t>, </a:t>
-            </a:r>
-            <a:r>
-              <a:rPr lang="en-US" dirty="0" err="1" smtClean="0"/>
-              <a:t>cargando</a:t>
-            </a:r>
-            <a:r>
-              <a:rPr lang="en-US" dirty="0" smtClean="0"/>
-              <a:t> un primer </a:t>
-            </a:r>
-            <a:r>
-              <a:rPr lang="en-US" dirty="0" err="1" smtClean="0"/>
-              <a:t>fichero</a:t>
-            </a:r>
-            <a:r>
-              <a:rPr lang="en-US" dirty="0" smtClean="0"/>
-              <a:t> </a:t>
-            </a:r>
-            <a:r>
-              <a:rPr lang="en-US" dirty="0" err="1" smtClean="0"/>
-              <a:t>que</a:t>
-            </a:r>
-            <a:r>
-              <a:rPr lang="en-US" dirty="0" smtClean="0"/>
-              <a:t> </a:t>
-            </a:r>
-            <a:r>
-              <a:rPr lang="en-US" dirty="0" err="1" smtClean="0"/>
-              <a:t>contiene</a:t>
-            </a:r>
-            <a:r>
-              <a:rPr lang="en-US" dirty="0" smtClean="0"/>
-              <a:t>:</a:t>
+              <a:rPr lang="es-ES" dirty="0" smtClean="0"/>
+              <a:t>Otros elementos:</a:t>
             </a:r>
           </a:p>
           <a:p>
             <a:pPr lvl="1"/>
             <a:r>
-              <a:rPr lang="en-US" dirty="0" err="1" smtClean="0"/>
-              <a:t>Configuración</a:t>
-            </a:r>
-            <a:r>
-              <a:rPr lang="en-US" dirty="0" smtClean="0"/>
-              <a:t> y variables de la </a:t>
-            </a:r>
-            <a:r>
-              <a:rPr lang="en-US" dirty="0" err="1" smtClean="0"/>
-              <a:t>aplicación</a:t>
-            </a:r>
-            <a:endParaRPr lang="en-US" dirty="0" smtClean="0"/>
+              <a:rPr lang="es-ES" i="1" dirty="0" err="1" smtClean="0"/>
+              <a:t>scss</a:t>
+            </a:r>
+            <a:r>
+              <a:rPr lang="es-ES" dirty="0" smtClean="0"/>
+              <a:t>: estilos de la aplicación con </a:t>
+            </a:r>
+            <a:r>
+              <a:rPr lang="es-ES" dirty="0" err="1" smtClean="0"/>
+              <a:t>Compass</a:t>
+            </a:r>
+            <a:r>
+              <a:rPr lang="es-ES" dirty="0" smtClean="0"/>
+              <a:t> (se copia el CSS generado a ‘</a:t>
+            </a:r>
+            <a:r>
+              <a:rPr lang="es-ES" dirty="0" err="1" smtClean="0"/>
+              <a:t>app</a:t>
+            </a:r>
+            <a:r>
+              <a:rPr lang="es-ES" dirty="0" smtClean="0"/>
+              <a:t>’ de forma automática)</a:t>
+            </a:r>
           </a:p>
           <a:p>
             <a:pPr lvl="1"/>
             <a:r>
-              <a:rPr lang="en-US" dirty="0" err="1" smtClean="0"/>
-              <a:t>Listado</a:t>
-            </a:r>
-            <a:r>
-              <a:rPr lang="en-US" dirty="0" smtClean="0"/>
-              <a:t> de </a:t>
-            </a:r>
-            <a:r>
-              <a:rPr lang="en-US" dirty="0" err="1" smtClean="0"/>
-              <a:t>dependencias</a:t>
-            </a:r>
-            <a:r>
-              <a:rPr lang="en-US" dirty="0" smtClean="0"/>
-              <a:t> (se </a:t>
-            </a:r>
-            <a:r>
-              <a:rPr lang="en-US" dirty="0" err="1" smtClean="0"/>
-              <a:t>utiliza</a:t>
-            </a:r>
-            <a:r>
-              <a:rPr lang="en-US" dirty="0" smtClean="0"/>
-              <a:t> ‘shim’ </a:t>
-            </a:r>
-            <a:r>
-              <a:rPr lang="en-US" dirty="0" err="1" smtClean="0"/>
-              <a:t>para</a:t>
-            </a:r>
-            <a:r>
-              <a:rPr lang="en-US" dirty="0" smtClean="0"/>
-              <a:t> </a:t>
-            </a:r>
-            <a:r>
-              <a:rPr lang="en-US" dirty="0" err="1" smtClean="0"/>
-              <a:t>las</a:t>
-            </a:r>
-            <a:r>
-              <a:rPr lang="en-US" dirty="0" smtClean="0"/>
-              <a:t> de JS)</a:t>
+              <a:rPr lang="es-ES" i="1" dirty="0" err="1" smtClean="0"/>
+              <a:t>build</a:t>
+            </a:r>
+            <a:r>
+              <a:rPr lang="es-ES" i="1" dirty="0" smtClean="0"/>
+              <a:t> / </a:t>
+            </a:r>
+            <a:r>
+              <a:rPr lang="es-ES" i="1" dirty="0" err="1" smtClean="0"/>
+              <a:t>bin</a:t>
+            </a:r>
+            <a:r>
+              <a:rPr lang="es-ES" dirty="0" smtClean="0"/>
+              <a:t>: scripts para construcción de la aplicación mediante Phonegap y dependencias de binarios</a:t>
             </a:r>
           </a:p>
           <a:p>
             <a:pPr lvl="1"/>
             <a:r>
-              <a:rPr lang="en-US" dirty="0" err="1" smtClean="0"/>
-              <a:t>Inicialización</a:t>
-            </a:r>
-            <a:r>
-              <a:rPr lang="en-US" dirty="0" smtClean="0"/>
-              <a:t> de la </a:t>
-            </a:r>
-            <a:r>
-              <a:rPr lang="en-US" dirty="0" err="1" smtClean="0"/>
-              <a:t>aplicación</a:t>
-            </a:r>
-            <a:r>
-              <a:rPr lang="en-US" dirty="0" smtClean="0"/>
-              <a:t> </a:t>
-            </a:r>
-            <a:r>
-              <a:rPr lang="en-US" dirty="0" err="1" smtClean="0"/>
-              <a:t>una</a:t>
-            </a:r>
-            <a:r>
-              <a:rPr lang="en-US" dirty="0" smtClean="0"/>
-              <a:t> </a:t>
-            </a:r>
-            <a:r>
-              <a:rPr lang="en-US" dirty="0" err="1" smtClean="0"/>
-              <a:t>vez</a:t>
-            </a:r>
-            <a:r>
-              <a:rPr lang="en-US" dirty="0" smtClean="0"/>
-              <a:t> </a:t>
-            </a:r>
-            <a:r>
-              <a:rPr lang="en-US" dirty="0" err="1" smtClean="0"/>
-              <a:t>cargadas</a:t>
-            </a:r>
-            <a:r>
-              <a:rPr lang="en-US" dirty="0" smtClean="0"/>
-              <a:t> </a:t>
-            </a:r>
-            <a:r>
-              <a:rPr lang="en-US" dirty="0" err="1" smtClean="0"/>
-              <a:t>las</a:t>
-            </a:r>
-            <a:r>
-              <a:rPr lang="en-US" dirty="0" smtClean="0"/>
-              <a:t> </a:t>
-            </a:r>
-            <a:r>
-              <a:rPr lang="en-US" dirty="0" err="1" smtClean="0"/>
-              <a:t>dependencias</a:t>
+              <a:rPr lang="es-ES" i="1" dirty="0" err="1" smtClean="0"/>
+              <a:t>resources</a:t>
+            </a:r>
+            <a:r>
+              <a:rPr lang="es-ES" dirty="0" smtClean="0"/>
+              <a:t>: recursos de diseño</a:t>
             </a:r>
             <a:endParaRPr lang="es-ES" dirty="0"/>
           </a:p>
@@ -5930,7 +5168,7 @@
     </p:spTree>
     <p:extLst>
       <p:ext uri="{BB962C8B-B14F-4D97-AF65-F5344CB8AC3E}">
-        <p14:creationId xmlns:p14="http://schemas.microsoft.com/office/powerpoint/2010/main" val="66170221"/>
+        <p14:creationId xmlns:p14="http://schemas.microsoft.com/office/powerpoint/2010/main" val="3149414418"/>
       </p:ext>
     </p:extLst>
   </p:cSld>
@@ -5973,16 +5211,8 @@
           <a:lstStyle/>
           <a:p>
             <a:r>
-              <a:rPr lang="en-US" dirty="0" err="1" smtClean="0"/>
-              <a:t>Otras</a:t>
-            </a:r>
-            <a:r>
-              <a:rPr lang="en-US" dirty="0" smtClean="0"/>
-              <a:t> </a:t>
-            </a:r>
-            <a:r>
-              <a:rPr lang="en-US" dirty="0" err="1" smtClean="0"/>
-              <a:t>librerías</a:t>
+              <a:rPr lang="es-ES" dirty="0" smtClean="0"/>
+              <a:t>Servidor</a:t>
             </a:r>
             <a:endParaRPr lang="es-ES" dirty="0"/>
           </a:p>
@@ -6001,409 +5231,55 @@
         <p:spPr/>
         <p:txBody>
           <a:bodyPr>
-            <a:normAutofit fontScale="77500" lnSpcReduction="20000"/>
+            <a:normAutofit fontScale="92500" lnSpcReduction="10000"/>
           </a:bodyPr>
           <a:lstStyle/>
           <a:p>
             <a:r>
-              <a:rPr lang="en-US" dirty="0" smtClean="0"/>
-              <a:t>Backbone, </a:t>
-            </a:r>
-            <a:r>
-              <a:rPr lang="en-US" dirty="0" err="1" smtClean="0"/>
-              <a:t>para</a:t>
-            </a:r>
-            <a:r>
-              <a:rPr lang="en-US" dirty="0" smtClean="0"/>
-              <a:t> </a:t>
-            </a:r>
-            <a:r>
-              <a:rPr lang="en-US" dirty="0" err="1" smtClean="0"/>
-              <a:t>las</a:t>
-            </a:r>
-            <a:r>
-              <a:rPr lang="en-US" dirty="0" smtClean="0"/>
-              <a:t> vistas, </a:t>
-            </a:r>
-            <a:r>
-              <a:rPr lang="en-US" dirty="0" err="1" smtClean="0"/>
-              <a:t>navegación</a:t>
-            </a:r>
-            <a:r>
-              <a:rPr lang="en-US" dirty="0" smtClean="0"/>
-              <a:t>, </a:t>
-            </a:r>
-            <a:r>
-              <a:rPr lang="en-US" dirty="0" err="1" smtClean="0"/>
-              <a:t>carga</a:t>
-            </a:r>
-            <a:r>
-              <a:rPr lang="en-US" dirty="0" smtClean="0"/>
-              <a:t> del </a:t>
-            </a:r>
-            <a:r>
-              <a:rPr lang="en-US" dirty="0" err="1" smtClean="0"/>
-              <a:t>modelo</a:t>
-            </a:r>
-            <a:r>
-              <a:rPr lang="en-US" dirty="0" smtClean="0"/>
-              <a:t> de </a:t>
-            </a:r>
-            <a:r>
-              <a:rPr lang="en-US" dirty="0" err="1" smtClean="0"/>
-              <a:t>datos</a:t>
-            </a:r>
-            <a:r>
-              <a:rPr lang="en-US" dirty="0" smtClean="0"/>
-              <a:t>, etc.</a:t>
-            </a:r>
-          </a:p>
-          <a:p>
-            <a:r>
-              <a:rPr lang="en-US" dirty="0" smtClean="0"/>
-              <a:t>Underscore / </a:t>
-            </a:r>
-            <a:r>
-              <a:rPr lang="en-US" dirty="0" err="1" smtClean="0"/>
-              <a:t>Lodash</a:t>
-            </a:r>
-            <a:r>
-              <a:rPr lang="en-US" dirty="0" smtClean="0"/>
-              <a:t>, </a:t>
-            </a:r>
-            <a:r>
-              <a:rPr lang="en-US" dirty="0" err="1" smtClean="0"/>
-              <a:t>para</a:t>
-            </a:r>
-            <a:r>
-              <a:rPr lang="en-US" dirty="0" smtClean="0"/>
-              <a:t> </a:t>
-            </a:r>
-            <a:r>
-              <a:rPr lang="en-US" dirty="0" err="1" smtClean="0"/>
-              <a:t>mixins</a:t>
-            </a:r>
-            <a:r>
-              <a:rPr lang="en-US" dirty="0" smtClean="0"/>
-              <a:t> y </a:t>
-            </a:r>
-            <a:r>
-              <a:rPr lang="en-US" dirty="0" err="1" smtClean="0"/>
-              <a:t>plantillas</a:t>
-            </a:r>
-            <a:r>
-              <a:rPr lang="en-US" dirty="0" smtClean="0"/>
-              <a:t> HTML</a:t>
-            </a:r>
-          </a:p>
-          <a:p>
-            <a:r>
-              <a:rPr lang="en-US" dirty="0" err="1" smtClean="0"/>
-              <a:t>Highcharts</a:t>
-            </a:r>
-            <a:r>
-              <a:rPr lang="en-US" dirty="0" smtClean="0"/>
-              <a:t>, </a:t>
-            </a:r>
-            <a:r>
-              <a:rPr lang="en-US" dirty="0" err="1" smtClean="0"/>
-              <a:t>para</a:t>
-            </a:r>
-            <a:r>
-              <a:rPr lang="en-US" dirty="0" smtClean="0"/>
-              <a:t> los </a:t>
-            </a:r>
-            <a:r>
-              <a:rPr lang="en-US" dirty="0" err="1" smtClean="0"/>
-              <a:t>gráficos</a:t>
-            </a:r>
-            <a:r>
-              <a:rPr lang="en-US" dirty="0" smtClean="0"/>
-              <a:t>. Se </a:t>
-            </a:r>
-            <a:r>
-              <a:rPr lang="en-US" dirty="0" err="1" smtClean="0"/>
-              <a:t>pretende</a:t>
-            </a:r>
-            <a:r>
-              <a:rPr lang="en-US" dirty="0" smtClean="0"/>
-              <a:t> </a:t>
-            </a:r>
-            <a:r>
-              <a:rPr lang="en-US" dirty="0" err="1" smtClean="0"/>
-              <a:t>sustituir</a:t>
-            </a:r>
-            <a:r>
-              <a:rPr lang="en-US" dirty="0" smtClean="0"/>
-              <a:t> </a:t>
-            </a:r>
-            <a:r>
-              <a:rPr lang="en-US" dirty="0" err="1" smtClean="0"/>
-              <a:t>por</a:t>
-            </a:r>
-            <a:r>
-              <a:rPr lang="en-US" dirty="0" smtClean="0"/>
-              <a:t> D3 </a:t>
-            </a:r>
-            <a:r>
-              <a:rPr lang="en-US" dirty="0" err="1" smtClean="0"/>
-              <a:t>para</a:t>
-            </a:r>
-            <a:r>
-              <a:rPr lang="en-US" dirty="0" smtClean="0"/>
-              <a:t> </a:t>
-            </a:r>
-            <a:r>
-              <a:rPr lang="en-US" dirty="0" err="1" smtClean="0"/>
-              <a:t>evitar</a:t>
-            </a:r>
-            <a:r>
-              <a:rPr lang="en-US" dirty="0" smtClean="0"/>
-              <a:t> el </a:t>
-            </a:r>
-            <a:r>
-              <a:rPr lang="en-US" dirty="0" err="1" smtClean="0"/>
-              <a:t>pago</a:t>
-            </a:r>
-            <a:r>
-              <a:rPr lang="en-US" dirty="0" smtClean="0"/>
-              <a:t> </a:t>
-            </a:r>
-            <a:r>
-              <a:rPr lang="en-US" dirty="0" err="1" smtClean="0"/>
-              <a:t>por</a:t>
-            </a:r>
-            <a:r>
-              <a:rPr lang="en-US" dirty="0" smtClean="0"/>
-              <a:t> </a:t>
-            </a:r>
-            <a:r>
-              <a:rPr lang="en-US" dirty="0" err="1" smtClean="0"/>
-              <a:t>uso</a:t>
-            </a:r>
-            <a:r>
-              <a:rPr lang="en-US" dirty="0" smtClean="0"/>
-              <a:t> </a:t>
-            </a:r>
-            <a:r>
-              <a:rPr lang="en-US" dirty="0" err="1" smtClean="0"/>
-              <a:t>comercial</a:t>
-            </a:r>
-            <a:r>
-              <a:rPr lang="en-US" dirty="0" smtClean="0"/>
-              <a:t> </a:t>
-            </a:r>
-            <a:r>
-              <a:rPr lang="en-US" dirty="0" err="1" smtClean="0"/>
-              <a:t>cuando</a:t>
-            </a:r>
-            <a:r>
-              <a:rPr lang="en-US" dirty="0" smtClean="0"/>
-              <a:t> se </a:t>
-            </a:r>
-            <a:r>
-              <a:rPr lang="en-US" dirty="0" err="1" smtClean="0"/>
-              <a:t>añada</a:t>
-            </a:r>
-            <a:r>
-              <a:rPr lang="en-US" dirty="0" smtClean="0"/>
-              <a:t> </a:t>
-            </a:r>
-            <a:r>
-              <a:rPr lang="en-US" dirty="0" err="1" smtClean="0"/>
-              <a:t>publicidad</a:t>
-            </a:r>
-            <a:endParaRPr lang="en-US" dirty="0"/>
-          </a:p>
-          <a:p>
-            <a:r>
-              <a:rPr lang="en-US" dirty="0" smtClean="0"/>
-              <a:t>Leaflet, </a:t>
-            </a:r>
-            <a:r>
-              <a:rPr lang="en-US" dirty="0" err="1" smtClean="0"/>
-              <a:t>para</a:t>
-            </a:r>
-            <a:r>
-              <a:rPr lang="en-US" dirty="0" smtClean="0"/>
-              <a:t> los </a:t>
-            </a:r>
-            <a:r>
-              <a:rPr lang="en-US" dirty="0" err="1" smtClean="0"/>
-              <a:t>mapas</a:t>
-            </a:r>
-            <a:r>
-              <a:rPr lang="en-US" dirty="0" smtClean="0"/>
-              <a:t>. </a:t>
-            </a:r>
-            <a:r>
-              <a:rPr lang="en-US" dirty="0" err="1" smtClean="0"/>
-              <a:t>Permite</a:t>
-            </a:r>
-            <a:r>
-              <a:rPr lang="en-US" dirty="0" smtClean="0"/>
-              <a:t> </a:t>
-            </a:r>
-            <a:r>
-              <a:rPr lang="en-US" dirty="0" err="1" smtClean="0"/>
-              <a:t>cargar</a:t>
-            </a:r>
-            <a:r>
-              <a:rPr lang="en-US" dirty="0" smtClean="0"/>
-              <a:t> </a:t>
-            </a:r>
-            <a:r>
-              <a:rPr lang="en-US" dirty="0" err="1" smtClean="0"/>
-              <a:t>mapas</a:t>
-            </a:r>
-            <a:r>
-              <a:rPr lang="en-US" dirty="0" smtClean="0"/>
-              <a:t>, y </a:t>
-            </a:r>
-            <a:r>
-              <a:rPr lang="en-US" dirty="0" err="1" smtClean="0"/>
-              <a:t>capas</a:t>
-            </a:r>
-            <a:r>
-              <a:rPr lang="en-US" dirty="0" smtClean="0"/>
-              <a:t>, </a:t>
-            </a:r>
-            <a:r>
-              <a:rPr lang="en-US" dirty="0" err="1" smtClean="0"/>
-              <a:t>desde</a:t>
-            </a:r>
-            <a:r>
-              <a:rPr lang="en-US" dirty="0" smtClean="0"/>
-              <a:t> </a:t>
-            </a:r>
-            <a:r>
-              <a:rPr lang="en-US" dirty="0" err="1" smtClean="0"/>
-              <a:t>fuentes</a:t>
-            </a:r>
-            <a:r>
-              <a:rPr lang="en-US" dirty="0" smtClean="0"/>
-              <a:t> </a:t>
-            </a:r>
-            <a:r>
-              <a:rPr lang="en-US" dirty="0" err="1" smtClean="0"/>
-              <a:t>diversas</a:t>
-            </a:r>
-            <a:r>
-              <a:rPr lang="en-US" dirty="0" smtClean="0"/>
-              <a:t>, </a:t>
-            </a:r>
-            <a:r>
-              <a:rPr lang="en-US" dirty="0" err="1" smtClean="0"/>
-              <a:t>incluso</a:t>
-            </a:r>
-            <a:r>
-              <a:rPr lang="en-US" dirty="0" smtClean="0"/>
-              <a:t> Google Maps</a:t>
-            </a:r>
-          </a:p>
-          <a:p>
-            <a:r>
-              <a:rPr lang="en-US" dirty="0" err="1" smtClean="0"/>
-              <a:t>SliceSlide</a:t>
-            </a:r>
-            <a:r>
-              <a:rPr lang="en-US" dirty="0" smtClean="0"/>
-              <a:t>: </a:t>
-            </a:r>
-            <a:r>
-              <a:rPr lang="en-US" dirty="0" err="1" smtClean="0"/>
-              <a:t>para</a:t>
-            </a:r>
-            <a:r>
-              <a:rPr lang="en-US" dirty="0" smtClean="0"/>
-              <a:t> los slides en la </a:t>
-            </a:r>
-            <a:r>
-              <a:rPr lang="en-US" dirty="0" err="1" smtClean="0"/>
-              <a:t>predicción</a:t>
-            </a:r>
-            <a:r>
-              <a:rPr lang="en-US" dirty="0" smtClean="0"/>
-              <a:t> de </a:t>
-            </a:r>
-            <a:r>
-              <a:rPr lang="en-US" dirty="0" err="1" smtClean="0"/>
-              <a:t>localidades</a:t>
-            </a:r>
-            <a:r>
-              <a:rPr lang="en-US" dirty="0" smtClean="0"/>
-              <a:t>. </a:t>
-            </a:r>
-            <a:r>
-              <a:rPr lang="en-US" dirty="0" err="1" smtClean="0"/>
-              <a:t>Permite</a:t>
-            </a:r>
-            <a:r>
-              <a:rPr lang="en-US" dirty="0" smtClean="0"/>
-              <a:t> </a:t>
-            </a:r>
-            <a:r>
-              <a:rPr lang="en-US" dirty="0" err="1" smtClean="0"/>
-              <a:t>eventos</a:t>
-            </a:r>
-            <a:r>
-              <a:rPr lang="en-US" dirty="0" smtClean="0"/>
-              <a:t> de toque en </a:t>
-            </a:r>
-            <a:r>
-              <a:rPr lang="en-US" dirty="0" err="1" smtClean="0"/>
-              <a:t>pantalla</a:t>
-            </a:r>
-            <a:endParaRPr lang="en-US" dirty="0" smtClean="0"/>
-          </a:p>
-          <a:p>
-            <a:r>
-              <a:rPr lang="en-US" dirty="0" smtClean="0"/>
-              <a:t>Bootstrap: </a:t>
-            </a:r>
-            <a:r>
-              <a:rPr lang="en-US" dirty="0" err="1" smtClean="0"/>
-              <a:t>utilizado</a:t>
-            </a:r>
-            <a:r>
-              <a:rPr lang="en-US" dirty="0" smtClean="0"/>
-              <a:t> </a:t>
-            </a:r>
-            <a:r>
-              <a:rPr lang="en-US" dirty="0" err="1" smtClean="0"/>
-              <a:t>para</a:t>
-            </a:r>
-            <a:r>
-              <a:rPr lang="en-US" dirty="0" smtClean="0"/>
-              <a:t> la mayor parte de los </a:t>
-            </a:r>
-            <a:r>
-              <a:rPr lang="en-US" dirty="0" err="1" smtClean="0"/>
-              <a:t>estilos</a:t>
-            </a:r>
-            <a:r>
-              <a:rPr lang="en-US" dirty="0" smtClean="0"/>
-              <a:t> y los </a:t>
-            </a:r>
-            <a:r>
-              <a:rPr lang="en-US" dirty="0" err="1" smtClean="0"/>
-              <a:t>comportamientos</a:t>
-            </a:r>
-            <a:r>
-              <a:rPr lang="en-US" dirty="0" smtClean="0"/>
-              <a:t> de los </a:t>
-            </a:r>
-            <a:r>
-              <a:rPr lang="en-US" dirty="0" err="1" smtClean="0"/>
-              <a:t>componentes</a:t>
-            </a:r>
-            <a:r>
-              <a:rPr lang="en-US" dirty="0" smtClean="0"/>
-              <a:t> de la </a:t>
-            </a:r>
-            <a:r>
-              <a:rPr lang="en-US" dirty="0" err="1" smtClean="0"/>
-              <a:t>cabecera</a:t>
+              <a:rPr lang="es-ES" dirty="0" smtClean="0"/>
+              <a:t>La idea inicial era un servidor con Node.js</a:t>
+            </a:r>
+          </a:p>
+          <a:p>
+            <a:r>
+              <a:rPr lang="es-ES" dirty="0" smtClean="0"/>
+              <a:t>La dificultad de encontrar alojamiento fiable (más que una </a:t>
+            </a:r>
+            <a:r>
+              <a:rPr lang="es-ES" dirty="0" err="1" smtClean="0"/>
+              <a:t>Raspberry</a:t>
+            </a:r>
+            <a:r>
+              <a:rPr lang="es-ES" dirty="0" smtClean="0"/>
+              <a:t>…) y económico obliga a crear una versión en PHP</a:t>
+            </a:r>
+          </a:p>
+          <a:p>
+            <a:r>
+              <a:rPr lang="es-ES" dirty="0" smtClean="0"/>
+              <a:t>Base de datos en formato </a:t>
+            </a:r>
+            <a:r>
+              <a:rPr lang="es-ES" dirty="0" err="1" smtClean="0"/>
+              <a:t>SQLite</a:t>
+            </a:r>
+            <a:r>
+              <a:rPr lang="es-ES" dirty="0" smtClean="0"/>
+              <a:t>:</a:t>
+            </a:r>
+          </a:p>
+          <a:p>
+            <a:pPr lvl="1"/>
+            <a:r>
+              <a:rPr lang="es-ES" dirty="0" smtClean="0"/>
+              <a:t>Evita la necesidad de utilizar un servidor de base de datos</a:t>
+            </a:r>
+          </a:p>
+          <a:p>
+            <a:pPr lvl="1"/>
+            <a:r>
+              <a:rPr lang="es-ES" dirty="0" smtClean="0"/>
+              <a:t>Tanto PHP como Node.js la pueden consultar sin dificultades. En el caso de PHP cualquier alojamiento permite utilizarlas</a:t>
             </a:r>
             <a:endParaRPr lang="es-ES" dirty="0"/>
           </a:p>
@@ -6482,7 +5358,7 @@
     </p:spTree>
     <p:extLst>
       <p:ext uri="{BB962C8B-B14F-4D97-AF65-F5344CB8AC3E}">
-        <p14:creationId xmlns:p14="http://schemas.microsoft.com/office/powerpoint/2010/main" val="2885133523"/>
+        <p14:creationId xmlns:p14="http://schemas.microsoft.com/office/powerpoint/2010/main" val="1239821687"/>
       </p:ext>
     </p:extLst>
   </p:cSld>
@@ -6532,12 +5408,8 @@
           <a:lstStyle/>
           <a:p>
             <a:r>
-              <a:rPr lang="en-US" dirty="0" err="1" smtClean="0"/>
-              <a:t>Phonegap</a:t>
-            </a:r>
-            <a:r>
               <a:rPr lang="en-US" dirty="0" smtClean="0"/>
-              <a:t> (1)</a:t>
+              <a:t>Require.js</a:t>
             </a:r>
             <a:endParaRPr lang="es-ES" dirty="0"/>
           </a:p>
@@ -6559,153 +5431,37 @@
           <a:lstStyle/>
           <a:p>
             <a:r>
-              <a:rPr lang="en-US" dirty="0" err="1" smtClean="0"/>
-              <a:t>Phonegap</a:t>
-            </a:r>
-            <a:r>
-              <a:rPr lang="en-US" dirty="0" smtClean="0"/>
-              <a:t> </a:t>
-            </a:r>
-            <a:r>
-              <a:rPr lang="en-US" dirty="0" err="1" smtClean="0"/>
-              <a:t>permite</a:t>
-            </a:r>
-            <a:r>
-              <a:rPr lang="en-US" dirty="0" smtClean="0"/>
-              <a:t> la </a:t>
-            </a:r>
-            <a:r>
-              <a:rPr lang="en-US" dirty="0" err="1" smtClean="0"/>
-              <a:t>creación</a:t>
-            </a:r>
-            <a:r>
-              <a:rPr lang="en-US" dirty="0" smtClean="0"/>
-              <a:t> de </a:t>
-            </a:r>
-            <a:r>
-              <a:rPr lang="en-US" dirty="0" err="1" smtClean="0"/>
-              <a:t>aplicaciónes</a:t>
-            </a:r>
-            <a:r>
-              <a:rPr lang="en-US" dirty="0" smtClean="0"/>
-              <a:t> </a:t>
-            </a:r>
-            <a:r>
-              <a:rPr lang="en-US" dirty="0" err="1" smtClean="0"/>
-              <a:t>nativas</a:t>
-            </a:r>
-            <a:r>
-              <a:rPr lang="en-US" dirty="0" smtClean="0"/>
-              <a:t> </a:t>
-            </a:r>
-            <a:r>
-              <a:rPr lang="en-US" dirty="0" err="1" smtClean="0"/>
-              <a:t>para</a:t>
-            </a:r>
-            <a:r>
-              <a:rPr lang="en-US" dirty="0" smtClean="0"/>
-              <a:t> </a:t>
-            </a:r>
-            <a:r>
-              <a:rPr lang="en-US" dirty="0" err="1" smtClean="0"/>
-              <a:t>las</a:t>
-            </a:r>
-            <a:r>
-              <a:rPr lang="en-US" dirty="0" smtClean="0"/>
-              <a:t> </a:t>
-            </a:r>
-            <a:r>
-              <a:rPr lang="en-US" dirty="0" err="1" smtClean="0"/>
-              <a:t>principales</a:t>
-            </a:r>
-            <a:r>
-              <a:rPr lang="en-US" dirty="0" smtClean="0"/>
-              <a:t> </a:t>
-            </a:r>
-            <a:r>
-              <a:rPr lang="en-US" dirty="0" err="1" smtClean="0"/>
-              <a:t>plataformas</a:t>
-            </a:r>
-            <a:r>
-              <a:rPr lang="en-US" dirty="0" smtClean="0"/>
-              <a:t> de </a:t>
-            </a:r>
-            <a:r>
-              <a:rPr lang="en-US" dirty="0" err="1" smtClean="0"/>
-              <a:t>dispositivos</a:t>
-            </a:r>
-            <a:r>
-              <a:rPr lang="en-US" dirty="0" smtClean="0"/>
-              <a:t> </a:t>
-            </a:r>
-            <a:r>
-              <a:rPr lang="en-US" dirty="0" err="1" smtClean="0"/>
-              <a:t>móviles</a:t>
-            </a:r>
-            <a:r>
-              <a:rPr lang="en-US" dirty="0" smtClean="0"/>
-              <a:t> (IOS, Android, Windows Phone, etc.)</a:t>
-            </a:r>
-          </a:p>
-          <a:p>
-            <a:r>
-              <a:rPr lang="en-US" dirty="0" smtClean="0"/>
-              <a:t>Las </a:t>
-            </a:r>
-            <a:r>
-              <a:rPr lang="en-US" dirty="0" err="1" smtClean="0"/>
-              <a:t>últimas</a:t>
-            </a:r>
-            <a:r>
-              <a:rPr lang="en-US" dirty="0" smtClean="0"/>
-              <a:t> </a:t>
-            </a:r>
-            <a:r>
-              <a:rPr lang="en-US" dirty="0" err="1" smtClean="0"/>
-              <a:t>versiones</a:t>
-            </a:r>
-            <a:r>
-              <a:rPr lang="en-US" dirty="0" smtClean="0"/>
-              <a:t> se </a:t>
-            </a:r>
-            <a:r>
-              <a:rPr lang="en-US" dirty="0" err="1" smtClean="0"/>
-              <a:t>basan</a:t>
-            </a:r>
-            <a:r>
-              <a:rPr lang="en-US" dirty="0" smtClean="0"/>
-              <a:t> en Node.js:</a:t>
+              <a:rPr lang="es-ES" dirty="0" smtClean="0"/>
+              <a:t>Se utiliza Require.js para la gestión de dependencias, cargando un primer fichero que contiene:</a:t>
             </a:r>
           </a:p>
           <a:p>
             <a:pPr lvl="1"/>
             <a:r>
-              <a:rPr lang="en-US" dirty="0" err="1" smtClean="0"/>
-              <a:t>npm</a:t>
-            </a:r>
-            <a:r>
-              <a:rPr lang="en-US" dirty="0" smtClean="0"/>
-              <a:t> install –g </a:t>
-            </a:r>
-            <a:r>
-              <a:rPr lang="en-US" dirty="0" err="1" smtClean="0"/>
-              <a:t>phonegap</a:t>
-            </a:r>
-            <a:endParaRPr lang="en-US" dirty="0" smtClean="0"/>
+              <a:rPr lang="es-ES" dirty="0" smtClean="0"/>
+              <a:t>Configuración y variables de la aplicación</a:t>
+            </a:r>
           </a:p>
           <a:p>
             <a:pPr lvl="1"/>
             <a:r>
-              <a:rPr lang="en-US" dirty="0" err="1" smtClean="0"/>
-              <a:t>nmp</a:t>
-            </a:r>
-            <a:r>
-              <a:rPr lang="en-US" dirty="0" smtClean="0"/>
-              <a:t> install –g </a:t>
-            </a:r>
-            <a:r>
-              <a:rPr lang="en-US" dirty="0" err="1" smtClean="0"/>
-              <a:t>cordova</a:t>
+              <a:rPr lang="es-ES" dirty="0" smtClean="0"/>
+              <a:t>Listado de dependencias (se utiliza ‘</a:t>
+            </a:r>
+            <a:r>
+              <a:rPr lang="es-ES" dirty="0" err="1" smtClean="0"/>
+              <a:t>shim</a:t>
+            </a:r>
+            <a:r>
+              <a:rPr lang="es-ES" dirty="0" smtClean="0"/>
+              <a:t>’ para las de JS)</a:t>
+            </a:r>
+          </a:p>
+          <a:p>
+            <a:pPr lvl="1"/>
+            <a:r>
+              <a:rPr lang="es-ES" dirty="0" smtClean="0"/>
+              <a:t>Inicialización de la aplicación una vez cargadas las dependencias</a:t>
             </a:r>
             <a:endParaRPr lang="es-ES" dirty="0"/>
           </a:p>
@@ -6784,7 +5540,7 @@
     </p:spTree>
     <p:extLst>
       <p:ext uri="{BB962C8B-B14F-4D97-AF65-F5344CB8AC3E}">
-        <p14:creationId xmlns:p14="http://schemas.microsoft.com/office/powerpoint/2010/main" val="3503619309"/>
+        <p14:creationId xmlns:p14="http://schemas.microsoft.com/office/powerpoint/2010/main" val="66170221"/>
       </p:ext>
     </p:extLst>
   </p:cSld>

--- a/docs/SPI_rapido_simple_economico.pptx
+++ b/docs/SPI_rapido_simple_economico.pptx
@@ -299,7 +299,7 @@
           <a:p>
             <a:fld id="{216C5678-EE20-4FA5-88E2-6E0BD67A2E26}" type="datetime1">
               <a:rPr lang="en-US" smtClean="0"/>
-              <a:t>2013-12-14</a:t>
+              <a:t>2013-12-15</a:t>
             </a:fld>
             <a:endParaRPr lang="en-US" dirty="0"/>
           </a:p>
@@ -474,7 +474,7 @@
           <a:p>
             <a:fld id="{EA051B39-B140-43FE-96DB-472A2B59CE7C}" type="datetime1">
               <a:rPr lang="en-US" smtClean="0"/>
-              <a:t>2013-12-14</a:t>
+              <a:t>2013-12-15</a:t>
             </a:fld>
             <a:endParaRPr lang="en-US"/>
           </a:p>
@@ -659,7 +659,7 @@
           <a:p>
             <a:fld id="{DA600BB2-27C5-458B-ABCE-839C88CF47CE}" type="datetime1">
               <a:rPr lang="en-US" smtClean="0"/>
-              <a:t>2013-12-14</a:t>
+              <a:t>2013-12-15</a:t>
             </a:fld>
             <a:endParaRPr lang="en-US"/>
           </a:p>
@@ -834,7 +834,7 @@
           <a:p>
             <a:fld id="{B11D738E-8962-435F-8C43-147B8DD7E819}" type="datetime1">
               <a:rPr lang="en-US" smtClean="0"/>
-              <a:t>2013-12-14</a:t>
+              <a:t>2013-12-15</a:t>
             </a:fld>
             <a:endParaRPr lang="en-US"/>
           </a:p>
@@ -1085,7 +1085,7 @@
           <a:p>
             <a:fld id="{09CAEA93-55E7-4DA9-90C2-089A26EEFEC4}" type="datetime1">
               <a:rPr lang="en-US" smtClean="0"/>
-              <a:t>2013-12-14</a:t>
+              <a:t>2013-12-15</a:t>
             </a:fld>
             <a:endParaRPr lang="en-US"/>
           </a:p>
@@ -1378,7 +1378,7 @@
           <a:p>
             <a:fld id="{E34CF3C7-6809-4F39-BD67-A75817BDDE0A}" type="datetime1">
               <a:rPr lang="en-US" smtClean="0"/>
-              <a:t>2013-12-14</a:t>
+              <a:t>2013-12-15</a:t>
             </a:fld>
             <a:endParaRPr lang="en-US"/>
           </a:p>
@@ -1805,7 +1805,7 @@
           <a:p>
             <a:fld id="{F7EAEB24-CE78-465C-A726-91D0868FA48F}" type="datetime1">
               <a:rPr lang="en-US" smtClean="0"/>
-              <a:t>2013-12-14</a:t>
+              <a:t>2013-12-15</a:t>
             </a:fld>
             <a:endParaRPr lang="en-US"/>
           </a:p>
@@ -1928,7 +1928,7 @@
           <a:p>
             <a:fld id="{40BAADF0-1749-4E8B-9691-B44A5F8C0895}" type="datetime1">
               <a:rPr lang="en-US" smtClean="0"/>
-              <a:t>2013-12-14</a:t>
+              <a:t>2013-12-15</a:t>
             </a:fld>
             <a:endParaRPr lang="en-US"/>
           </a:p>
@@ -2028,7 +2028,7 @@
           <a:p>
             <a:fld id="{A8AF628A-A867-4937-BBE5-207DB6F9C51A}" type="datetime1">
               <a:rPr lang="en-US" smtClean="0"/>
-              <a:t>2013-12-14</a:t>
+              <a:t>2013-12-15</a:t>
             </a:fld>
             <a:endParaRPr lang="en-US"/>
           </a:p>
@@ -2310,7 +2310,7 @@
           <a:p>
             <a:fld id="{118BBB94-68E6-4675-A946-F1C5994EDBD7}" type="datetime1">
               <a:rPr lang="en-US" smtClean="0"/>
-              <a:t>2013-12-14</a:t>
+              <a:t>2013-12-15</a:t>
             </a:fld>
             <a:endParaRPr lang="en-US"/>
           </a:p>
@@ -2568,7 +2568,7 @@
           <a:p>
             <a:fld id="{DC3B8377-21E3-4835-B75D-4E2847E2750F}" type="datetime1">
               <a:rPr lang="en-US" smtClean="0"/>
-              <a:t>2013-12-14</a:t>
+              <a:t>2013-12-15</a:t>
             </a:fld>
             <a:endParaRPr lang="en-US"/>
           </a:p>
@@ -2786,7 +2786,7 @@
           <a:p>
             <a:fld id="{B0C4986D-6BE9-4264-908F-02DB36FD8D6C}" type="datetime1">
               <a:rPr lang="en-US" smtClean="0"/>
-              <a:t>2013-12-14</a:t>
+              <a:t>2013-12-15</a:t>
             </a:fld>
             <a:endParaRPr lang="en-US" dirty="0"/>
           </a:p>
@@ -3248,7 +3248,7 @@
           <a:p>
             <a:fld id="{216C5678-EE20-4FA5-88E2-6E0BD67A2E26}" type="datetime1">
               <a:rPr lang="en-US" smtClean="0"/>
-              <a:t>2013-12-14</a:t>
+              <a:t>2013-12-15</a:t>
             </a:fld>
             <a:endParaRPr lang="en-US" dirty="0"/>
           </a:p>
@@ -3379,7 +3379,14 @@
           <a:lstStyle/>
           <a:p>
             <a:r>
-              <a:rPr lang="es-ES" dirty="0" err="1" smtClean="0"/>
+              <a:rPr lang="es-ES" b="1" dirty="0" err="1" smtClean="0"/>
+              <a:t>Jquery</a:t>
+            </a:r>
+            <a:endParaRPr lang="es-ES" b="1" dirty="0" smtClean="0"/>
+          </a:p>
+          <a:p>
+            <a:r>
+              <a:rPr lang="es-ES" b="1" dirty="0" err="1" smtClean="0"/>
               <a:t>Backbone</a:t>
             </a:r>
             <a:r>
@@ -3389,15 +3396,15 @@
           </a:p>
           <a:p>
             <a:r>
-              <a:rPr lang="es-ES" dirty="0" err="1" smtClean="0"/>
+              <a:rPr lang="es-ES" b="1" dirty="0" err="1" smtClean="0"/>
               <a:t>Underscore</a:t>
             </a:r>
             <a:r>
-              <a:rPr lang="es-ES" dirty="0" smtClean="0"/>
+              <a:rPr lang="es-ES" b="1" dirty="0" smtClean="0"/>
               <a:t> / </a:t>
             </a:r>
             <a:r>
-              <a:rPr lang="es-ES" dirty="0" err="1" smtClean="0"/>
+              <a:rPr lang="es-ES" b="1" dirty="0" err="1" smtClean="0"/>
               <a:t>Lodash</a:t>
             </a:r>
             <a:r>
@@ -3415,7 +3422,7 @@
           </a:p>
           <a:p>
             <a:r>
-              <a:rPr lang="es-ES" dirty="0" err="1" smtClean="0"/>
+              <a:rPr lang="es-ES" b="1" dirty="0" err="1" smtClean="0"/>
               <a:t>Highcharts</a:t>
             </a:r>
             <a:r>
@@ -3425,7 +3432,7 @@
           </a:p>
           <a:p>
             <a:r>
-              <a:rPr lang="es-ES" dirty="0" err="1" smtClean="0"/>
+              <a:rPr lang="es-ES" b="1" dirty="0" err="1" smtClean="0"/>
               <a:t>Leaflet</a:t>
             </a:r>
             <a:r>
@@ -3440,7 +3447,7 @@
           </a:p>
           <a:p>
             <a:r>
-              <a:rPr lang="es-ES" dirty="0" err="1" smtClean="0"/>
+              <a:rPr lang="es-ES" b="1" dirty="0" err="1" smtClean="0"/>
               <a:t>SliceSlide</a:t>
             </a:r>
             <a:r>
@@ -3458,7 +3465,7 @@
           </a:p>
           <a:p>
             <a:r>
-              <a:rPr lang="es-ES" dirty="0" err="1" smtClean="0"/>
+              <a:rPr lang="es-ES" b="1" dirty="0" err="1" smtClean="0"/>
               <a:t>Bootstrap</a:t>
             </a:r>
             <a:r>
@@ -3486,7 +3493,7 @@
           <a:p>
             <a:fld id="{B11D738E-8962-435F-8C43-147B8DD7E819}" type="datetime1">
               <a:rPr lang="en-US" smtClean="0"/>
-              <a:t>2013-12-14</a:t>
+              <a:t>2013-12-15</a:t>
             </a:fld>
             <a:endParaRPr lang="en-US"/>
           </a:p>
@@ -3716,7 +3723,7 @@
           <a:p>
             <a:fld id="{B11D738E-8962-435F-8C43-147B8DD7E819}" type="datetime1">
               <a:rPr lang="en-US" smtClean="0"/>
-              <a:t>2013-12-14</a:t>
+              <a:t>2013-12-15</a:t>
             </a:fld>
             <a:endParaRPr lang="en-US"/>
           </a:p>
@@ -3852,7 +3859,35 @@
           <a:p>
             <a:r>
               <a:rPr lang="es-ES" dirty="0" smtClean="0"/>
-              <a:t>Por cuestiones prácticas la aplicación no usa esa estructura, pero incluye un script que crea dicha estructura y copia los archivos necesarios</a:t>
+              <a:t>Por cuestiones </a:t>
+            </a:r>
+            <a:r>
+              <a:rPr lang="es-ES" dirty="0" smtClean="0"/>
+              <a:t>prácticas en el desarrollo de </a:t>
+            </a:r>
+            <a:r>
+              <a:rPr lang="es-ES" dirty="0" smtClean="0"/>
+              <a:t>la aplicación no </a:t>
+            </a:r>
+            <a:r>
+              <a:rPr lang="es-ES" dirty="0" smtClean="0"/>
+              <a:t>se utilizó </a:t>
+            </a:r>
+            <a:r>
+              <a:rPr lang="es-ES" dirty="0" smtClean="0"/>
+              <a:t>esa estructura, </a:t>
+            </a:r>
+            <a:r>
+              <a:rPr lang="es-ES" dirty="0" smtClean="0"/>
+              <a:t>se creó </a:t>
+            </a:r>
+            <a:r>
+              <a:rPr lang="es-ES" dirty="0" smtClean="0"/>
+              <a:t>un script </a:t>
+            </a:r>
+            <a:r>
+              <a:rPr lang="es-ES" dirty="0" smtClean="0"/>
+              <a:t>que copia a dicha estructura los archivos necesarios</a:t>
             </a:r>
             <a:endParaRPr lang="es-ES" dirty="0"/>
           </a:p>
@@ -3875,7 +3910,7 @@
           <a:p>
             <a:fld id="{B11D738E-8962-435F-8C43-147B8DD7E819}" type="datetime1">
               <a:rPr lang="en-US" smtClean="0"/>
-              <a:t>2013-12-14</a:t>
+              <a:t>2013-12-15</a:t>
             </a:fld>
             <a:endParaRPr lang="en-US"/>
           </a:p>
@@ -4030,13 +4065,7 @@
               <a:rPr lang="es-ES" dirty="0" smtClean="0">
                 <a:hlinkClick r:id="rId2"/>
               </a:rPr>
-              <a:t>https</a:t>
-            </a:r>
-            <a:r>
-              <a:rPr lang="es-ES" dirty="0" smtClean="0">
-                <a:hlinkClick r:id="rId2"/>
-              </a:rPr>
-              <a:t>://github.com/jervert/borrasca-next</a:t>
+              <a:t>https://github.com/jervert/borrasca-next</a:t>
             </a:r>
             <a:endParaRPr lang="es-ES" dirty="0"/>
           </a:p>
@@ -4059,7 +4088,7 @@
           <a:p>
             <a:fld id="{B11D738E-8962-435F-8C43-147B8DD7E819}" type="datetime1">
               <a:rPr lang="en-US" smtClean="0"/>
-              <a:t>2013-12-14</a:t>
+              <a:t>2013-12-15</a:t>
             </a:fld>
             <a:endParaRPr lang="en-US"/>
           </a:p>
@@ -4262,7 +4291,7 @@
           <a:p>
             <a:fld id="{B11D738E-8962-435F-8C43-147B8DD7E819}" type="datetime1">
               <a:rPr lang="en-US" smtClean="0"/>
-              <a:t>2013-12-14</a:t>
+              <a:t>2013-12-15</a:t>
             </a:fld>
             <a:endParaRPr lang="en-US"/>
           </a:p>
@@ -4470,7 +4499,7 @@
           <a:p>
             <a:fld id="{B11D738E-8962-435F-8C43-147B8DD7E819}" type="datetime1">
               <a:rPr lang="en-US" smtClean="0"/>
-              <a:t>2013-12-14</a:t>
+              <a:t>2013-12-15</a:t>
             </a:fld>
             <a:endParaRPr lang="en-US"/>
           </a:p>
@@ -4621,11 +4650,7 @@
             </a:r>
             <a:r>
               <a:rPr lang="es-ES" dirty="0" smtClean="0"/>
-              <a:t>: </a:t>
-            </a:r>
-            <a:r>
-              <a:rPr lang="es-ES" dirty="0" smtClean="0"/>
-              <a:t>contiene la aplicación</a:t>
+              <a:t>: contiene la aplicación</a:t>
             </a:r>
           </a:p>
           <a:p>
@@ -4677,7 +4702,7 @@
           <a:p>
             <a:fld id="{B11D738E-8962-435F-8C43-147B8DD7E819}" type="datetime1">
               <a:rPr lang="en-US" smtClean="0"/>
-              <a:t>2013-12-14</a:t>
+              <a:t>2013-12-15</a:t>
             </a:fld>
             <a:endParaRPr lang="en-US"/>
           </a:p>
@@ -4903,7 +4928,7 @@
           <a:p>
             <a:fld id="{B11D738E-8962-435F-8C43-147B8DD7E819}" type="datetime1">
               <a:rPr lang="en-US" smtClean="0"/>
-              <a:t>2013-12-14</a:t>
+              <a:t>2013-12-15</a:t>
             </a:fld>
             <a:endParaRPr lang="en-US"/>
           </a:p>
@@ -5112,7 +5137,7 @@
           <a:p>
             <a:fld id="{B11D738E-8962-435F-8C43-147B8DD7E819}" type="datetime1">
               <a:rPr lang="en-US" smtClean="0"/>
-              <a:t>2013-12-14</a:t>
+              <a:t>2013-12-15</a:t>
             </a:fld>
             <a:endParaRPr lang="en-US"/>
           </a:p>
@@ -5302,7 +5327,7 @@
           <a:p>
             <a:fld id="{B11D738E-8962-435F-8C43-147B8DD7E819}" type="datetime1">
               <a:rPr lang="en-US" smtClean="0"/>
-              <a:t>2013-12-14</a:t>
+              <a:t>2013-12-15</a:t>
             </a:fld>
             <a:endParaRPr lang="en-US"/>
           </a:p>
@@ -5484,7 +5509,7 @@
           <a:p>
             <a:fld id="{B11D738E-8962-435F-8C43-147B8DD7E819}" type="datetime1">
               <a:rPr lang="en-US" smtClean="0"/>
-              <a:t>2013-12-14</a:t>
+              <a:t>2013-12-15</a:t>
             </a:fld>
             <a:endParaRPr lang="en-US"/>
           </a:p>
